--- a/EMBS17/diagram.pptx
+++ b/EMBS17/diagram.pptx
@@ -6,6 +6,7 @@
   </p:sldMasterIdLst>
   <p:sldIdLst>
     <p:sldId id="257" r:id="rId2"/>
+    <p:sldId id="258" r:id="rId3"/>
   </p:sldIdLst>
   <p:sldSz cx="12192000" cy="6858000"/>
   <p:notesSz cx="6858000" cy="9144000"/>
@@ -241,7 +242,7 @@
           <a:p>
             <a:fld id="{C3FB754B-3DC8-4C16-A438-B11CEE9452EB}" type="datetimeFigureOut">
               <a:rPr lang="en-US" smtClean="0"/>
-              <a:t>2/13/2017</a:t>
+              <a:t>2/19/2017</a:t>
             </a:fld>
             <a:endParaRPr lang="en-US"/>
           </a:p>
@@ -409,7 +410,7 @@
           <a:p>
             <a:fld id="{C3FB754B-3DC8-4C16-A438-B11CEE9452EB}" type="datetimeFigureOut">
               <a:rPr lang="en-US" smtClean="0"/>
-              <a:t>2/13/2017</a:t>
+              <a:t>2/19/2017</a:t>
             </a:fld>
             <a:endParaRPr lang="en-US"/>
           </a:p>
@@ -587,7 +588,7 @@
           <a:p>
             <a:fld id="{C3FB754B-3DC8-4C16-A438-B11CEE9452EB}" type="datetimeFigureOut">
               <a:rPr lang="en-US" smtClean="0"/>
-              <a:t>2/13/2017</a:t>
+              <a:t>2/19/2017</a:t>
             </a:fld>
             <a:endParaRPr lang="en-US"/>
           </a:p>
@@ -755,7 +756,7 @@
           <a:p>
             <a:fld id="{C3FB754B-3DC8-4C16-A438-B11CEE9452EB}" type="datetimeFigureOut">
               <a:rPr lang="en-US" smtClean="0"/>
-              <a:t>2/13/2017</a:t>
+              <a:t>2/19/2017</a:t>
             </a:fld>
             <a:endParaRPr lang="en-US"/>
           </a:p>
@@ -1000,7 +1001,7 @@
           <a:p>
             <a:fld id="{C3FB754B-3DC8-4C16-A438-B11CEE9452EB}" type="datetimeFigureOut">
               <a:rPr lang="en-US" smtClean="0"/>
-              <a:t>2/13/2017</a:t>
+              <a:t>2/19/2017</a:t>
             </a:fld>
             <a:endParaRPr lang="en-US"/>
           </a:p>
@@ -1229,7 +1230,7 @@
           <a:p>
             <a:fld id="{C3FB754B-3DC8-4C16-A438-B11CEE9452EB}" type="datetimeFigureOut">
               <a:rPr lang="en-US" smtClean="0"/>
-              <a:t>2/13/2017</a:t>
+              <a:t>2/19/2017</a:t>
             </a:fld>
             <a:endParaRPr lang="en-US"/>
           </a:p>
@@ -1593,7 +1594,7 @@
           <a:p>
             <a:fld id="{C3FB754B-3DC8-4C16-A438-B11CEE9452EB}" type="datetimeFigureOut">
               <a:rPr lang="en-US" smtClean="0"/>
-              <a:t>2/13/2017</a:t>
+              <a:t>2/19/2017</a:t>
             </a:fld>
             <a:endParaRPr lang="en-US"/>
           </a:p>
@@ -1710,7 +1711,7 @@
           <a:p>
             <a:fld id="{C3FB754B-3DC8-4C16-A438-B11CEE9452EB}" type="datetimeFigureOut">
               <a:rPr lang="en-US" smtClean="0"/>
-              <a:t>2/13/2017</a:t>
+              <a:t>2/19/2017</a:t>
             </a:fld>
             <a:endParaRPr lang="en-US"/>
           </a:p>
@@ -1805,7 +1806,7 @@
           <a:p>
             <a:fld id="{C3FB754B-3DC8-4C16-A438-B11CEE9452EB}" type="datetimeFigureOut">
               <a:rPr lang="en-US" smtClean="0"/>
-              <a:t>2/13/2017</a:t>
+              <a:t>2/19/2017</a:t>
             </a:fld>
             <a:endParaRPr lang="en-US"/>
           </a:p>
@@ -2080,7 +2081,7 @@
           <a:p>
             <a:fld id="{C3FB754B-3DC8-4C16-A438-B11CEE9452EB}" type="datetimeFigureOut">
               <a:rPr lang="en-US" smtClean="0"/>
-              <a:t>2/13/2017</a:t>
+              <a:t>2/19/2017</a:t>
             </a:fld>
             <a:endParaRPr lang="en-US"/>
           </a:p>
@@ -2332,7 +2333,7 @@
           <a:p>
             <a:fld id="{C3FB754B-3DC8-4C16-A438-B11CEE9452EB}" type="datetimeFigureOut">
               <a:rPr lang="en-US" smtClean="0"/>
-              <a:t>2/13/2017</a:t>
+              <a:t>2/19/2017</a:t>
             </a:fld>
             <a:endParaRPr lang="en-US"/>
           </a:p>
@@ -2543,7 +2544,7 @@
           <a:p>
             <a:fld id="{C3FB754B-3DC8-4C16-A438-B11CEE9452EB}" type="datetimeFigureOut">
               <a:rPr lang="en-US" smtClean="0"/>
-              <a:t>2/13/2017</a:t>
+              <a:t>2/19/2017</a:t>
             </a:fld>
             <a:endParaRPr lang="en-US"/>
           </a:p>
@@ -2950,13 +2951,2517 @@
       </p:grpSpPr>
       <p:grpSp>
         <p:nvGrpSpPr>
+          <p:cNvPr id="7" name="Group 6"/>
+          <p:cNvGrpSpPr/>
+          <p:nvPr/>
+        </p:nvGrpSpPr>
+        <p:grpSpPr>
+          <a:xfrm>
+            <a:off x="2107763" y="403270"/>
+            <a:ext cx="8025361" cy="5914980"/>
+            <a:chOff x="2107763" y="403270"/>
+            <a:chExt cx="8025361" cy="5914980"/>
+          </a:xfrm>
+        </p:grpSpPr>
+        <p:grpSp>
+          <p:nvGrpSpPr>
+            <p:cNvPr id="126" name="Group 125"/>
+            <p:cNvGrpSpPr/>
+            <p:nvPr/>
+          </p:nvGrpSpPr>
+          <p:grpSpPr>
+            <a:xfrm>
+              <a:off x="3528389" y="1275345"/>
+              <a:ext cx="2726393" cy="915864"/>
+              <a:chOff x="5119064" y="1408695"/>
+              <a:chExt cx="2726393" cy="915864"/>
+            </a:xfrm>
+          </p:grpSpPr>
+          <p:grpSp>
+            <p:nvGrpSpPr>
+              <p:cNvPr id="115" name="Group 114"/>
+              <p:cNvGrpSpPr/>
+              <p:nvPr/>
+            </p:nvGrpSpPr>
+            <p:grpSpPr>
+              <a:xfrm>
+                <a:off x="5119064" y="1414715"/>
+                <a:ext cx="1370971" cy="613305"/>
+                <a:chOff x="5119064" y="1414715"/>
+                <a:chExt cx="1370971" cy="613305"/>
+              </a:xfrm>
+            </p:grpSpPr>
+            <p:cxnSp>
+              <p:nvCxnSpPr>
+                <p:cNvPr id="111" name="Straight Arrow Connector 110"/>
+                <p:cNvCxnSpPr/>
+                <p:nvPr/>
+              </p:nvCxnSpPr>
+              <p:spPr>
+                <a:xfrm>
+                  <a:off x="5119064" y="1649015"/>
+                  <a:ext cx="510394" cy="0"/>
+                </a:xfrm>
+                <a:prstGeom prst="straightConnector1">
+                  <a:avLst/>
+                </a:prstGeom>
+                <a:ln>
+                  <a:tailEnd type="triangle"/>
+                </a:ln>
+              </p:spPr>
+              <p:style>
+                <a:lnRef idx="2">
+                  <a:schemeClr val="dk1"/>
+                </a:lnRef>
+                <a:fillRef idx="0">
+                  <a:schemeClr val="dk1"/>
+                </a:fillRef>
+                <a:effectRef idx="1">
+                  <a:schemeClr val="dk1"/>
+                </a:effectRef>
+                <a:fontRef idx="minor">
+                  <a:schemeClr val="tx1"/>
+                </a:fontRef>
+              </p:style>
+            </p:cxnSp>
+            <p:grpSp>
+              <p:nvGrpSpPr>
+                <p:cNvPr id="114" name="Group 113"/>
+                <p:cNvGrpSpPr/>
+                <p:nvPr/>
+              </p:nvGrpSpPr>
+              <p:grpSpPr>
+                <a:xfrm>
+                  <a:off x="5665680" y="1414715"/>
+                  <a:ext cx="824355" cy="613305"/>
+                  <a:chOff x="5843780" y="1424239"/>
+                  <a:chExt cx="824355" cy="613305"/>
+                </a:xfrm>
+              </p:grpSpPr>
+              <p:sp>
+                <p:nvSpPr>
+                  <p:cNvPr id="109" name="Pentagon 108"/>
+                  <p:cNvSpPr/>
+                  <p:nvPr/>
+                </p:nvSpPr>
+                <p:spPr>
+                  <a:xfrm rot="5400000">
+                    <a:off x="5939780" y="1328239"/>
+                    <a:ext cx="613305" cy="805305"/>
+                  </a:xfrm>
+                  <a:prstGeom prst="homePlate">
+                    <a:avLst>
+                      <a:gd name="adj" fmla="val 26277"/>
+                    </a:avLst>
+                  </a:prstGeom>
+                  <a:ln/>
+                </p:spPr>
+                <p:style>
+                  <a:lnRef idx="2">
+                    <a:schemeClr val="dk1"/>
+                  </a:lnRef>
+                  <a:fillRef idx="1">
+                    <a:schemeClr val="lt1"/>
+                  </a:fillRef>
+                  <a:effectRef idx="0">
+                    <a:schemeClr val="dk1"/>
+                  </a:effectRef>
+                  <a:fontRef idx="minor">
+                    <a:schemeClr val="dk1"/>
+                  </a:fontRef>
+                </p:style>
+                <p:txBody>
+                  <a:bodyPr rtlCol="0" anchor="ctr"/>
+                  <a:lstStyle/>
+                  <a:p>
+                    <a:pPr algn="ctr"/>
+                    <a:endParaRPr lang="en-US" sz="1400" dirty="0"/>
+                  </a:p>
+                </p:txBody>
+              </p:sp>
+              <p:sp>
+                <p:nvSpPr>
+                  <p:cNvPr id="113" name="TextBox 112"/>
+                  <p:cNvSpPr txBox="1"/>
+                  <p:nvPr/>
+                </p:nvSpPr>
+                <p:spPr>
+                  <a:xfrm>
+                    <a:off x="5934710" y="1497606"/>
+                    <a:ext cx="733425" cy="400110"/>
+                  </a:xfrm>
+                  <a:prstGeom prst="rect">
+                    <a:avLst/>
+                  </a:prstGeom>
+                  <a:noFill/>
+                </p:spPr>
+                <p:txBody>
+                  <a:bodyPr wrap="square" rtlCol="0">
+                    <a:spAutoFit/>
+                  </a:bodyPr>
+                  <a:lstStyle/>
+                  <a:p>
+                    <a:r>
+                      <a:rPr lang="en-US" sz="2000" dirty="0">
+                        <a:latin typeface="AngsanaUPC" panose="02020603050405020304" pitchFamily="18" charset="-34"/>
+                        <a:cs typeface="AngsanaUPC" panose="02020603050405020304" pitchFamily="18" charset="-34"/>
+                      </a:rPr>
+                      <a:t>LSTM</a:t>
+                    </a:r>
+                  </a:p>
+                </p:txBody>
+              </p:sp>
+            </p:grpSp>
+          </p:grpSp>
+          <p:cxnSp>
+            <p:nvCxnSpPr>
+              <p:cNvPr id="116" name="Straight Arrow Connector 115"/>
+              <p:cNvCxnSpPr/>
+              <p:nvPr/>
+            </p:nvCxnSpPr>
+            <p:spPr>
+              <a:xfrm>
+                <a:off x="6490035" y="1660920"/>
+                <a:ext cx="510394" cy="0"/>
+              </a:xfrm>
+              <a:prstGeom prst="straightConnector1">
+                <a:avLst/>
+              </a:prstGeom>
+              <a:ln>
+                <a:tailEnd type="triangle"/>
+              </a:ln>
+            </p:spPr>
+            <p:style>
+              <a:lnRef idx="2">
+                <a:schemeClr val="dk1"/>
+              </a:lnRef>
+              <a:fillRef idx="0">
+                <a:schemeClr val="dk1"/>
+              </a:fillRef>
+              <a:effectRef idx="1">
+                <a:schemeClr val="dk1"/>
+              </a:effectRef>
+              <a:fontRef idx="minor">
+                <a:schemeClr val="tx1"/>
+              </a:fontRef>
+            </p:style>
+          </p:cxnSp>
+          <p:grpSp>
+            <p:nvGrpSpPr>
+              <p:cNvPr id="119" name="Group 118"/>
+              <p:cNvGrpSpPr/>
+              <p:nvPr/>
+            </p:nvGrpSpPr>
+            <p:grpSpPr>
+              <a:xfrm>
+                <a:off x="7021102" y="1408695"/>
+                <a:ext cx="824355" cy="613305"/>
+                <a:chOff x="5843780" y="1424239"/>
+                <a:chExt cx="824355" cy="613305"/>
+              </a:xfrm>
+            </p:grpSpPr>
+            <p:sp>
+              <p:nvSpPr>
+                <p:cNvPr id="120" name="Pentagon 119"/>
+                <p:cNvSpPr/>
+                <p:nvPr/>
+              </p:nvSpPr>
+              <p:spPr>
+                <a:xfrm rot="5400000">
+                  <a:off x="5939780" y="1328239"/>
+                  <a:ext cx="613305" cy="805305"/>
+                </a:xfrm>
+                <a:prstGeom prst="homePlate">
+                  <a:avLst>
+                    <a:gd name="adj" fmla="val 26277"/>
+                  </a:avLst>
+                </a:prstGeom>
+                <a:ln/>
+              </p:spPr>
+              <p:style>
+                <a:lnRef idx="2">
+                  <a:schemeClr val="dk1"/>
+                </a:lnRef>
+                <a:fillRef idx="1">
+                  <a:schemeClr val="lt1"/>
+                </a:fillRef>
+                <a:effectRef idx="0">
+                  <a:schemeClr val="dk1"/>
+                </a:effectRef>
+                <a:fontRef idx="minor">
+                  <a:schemeClr val="dk1"/>
+                </a:fontRef>
+              </p:style>
+              <p:txBody>
+                <a:bodyPr rtlCol="0" anchor="ctr"/>
+                <a:lstStyle/>
+                <a:p>
+                  <a:pPr algn="ctr"/>
+                  <a:endParaRPr lang="en-US" sz="1400" dirty="0"/>
+                </a:p>
+              </p:txBody>
+            </p:sp>
+            <p:sp>
+              <p:nvSpPr>
+                <p:cNvPr id="121" name="TextBox 120"/>
+                <p:cNvSpPr txBox="1"/>
+                <p:nvPr/>
+              </p:nvSpPr>
+              <p:spPr>
+                <a:xfrm>
+                  <a:off x="5934710" y="1497606"/>
+                  <a:ext cx="733425" cy="400110"/>
+                </a:xfrm>
+                <a:prstGeom prst="rect">
+                  <a:avLst/>
+                </a:prstGeom>
+                <a:noFill/>
+              </p:spPr>
+              <p:txBody>
+                <a:bodyPr wrap="square" rtlCol="0">
+                  <a:spAutoFit/>
+                </a:bodyPr>
+                <a:lstStyle/>
+                <a:p>
+                  <a:r>
+                    <a:rPr lang="en-US" sz="2000" dirty="0">
+                      <a:latin typeface="AngsanaUPC" panose="02020603050405020304" pitchFamily="18" charset="-34"/>
+                      <a:cs typeface="AngsanaUPC" panose="02020603050405020304" pitchFamily="18" charset="-34"/>
+                    </a:rPr>
+                    <a:t>LSTM</a:t>
+                  </a:r>
+                </a:p>
+              </p:txBody>
+            </p:sp>
+          </p:grpSp>
+          <p:cxnSp>
+            <p:nvCxnSpPr>
+              <p:cNvPr id="122" name="Straight Arrow Connector 121"/>
+              <p:cNvCxnSpPr/>
+              <p:nvPr/>
+            </p:nvCxnSpPr>
+            <p:spPr>
+              <a:xfrm flipH="1">
+                <a:off x="6067214" y="2025624"/>
+                <a:ext cx="1118" cy="298935"/>
+              </a:xfrm>
+              <a:prstGeom prst="straightConnector1">
+                <a:avLst/>
+              </a:prstGeom>
+              <a:ln>
+                <a:tailEnd type="triangle"/>
+              </a:ln>
+            </p:spPr>
+            <p:style>
+              <a:lnRef idx="2">
+                <a:schemeClr val="dk1"/>
+              </a:lnRef>
+              <a:fillRef idx="0">
+                <a:schemeClr val="dk1"/>
+              </a:fillRef>
+              <a:effectRef idx="1">
+                <a:schemeClr val="dk1"/>
+              </a:effectRef>
+              <a:fontRef idx="minor">
+                <a:schemeClr val="tx1"/>
+              </a:fontRef>
+            </p:style>
+          </p:cxnSp>
+          <p:cxnSp>
+            <p:nvCxnSpPr>
+              <p:cNvPr id="125" name="Straight Arrow Connector 124"/>
+              <p:cNvCxnSpPr/>
+              <p:nvPr/>
+            </p:nvCxnSpPr>
+            <p:spPr>
+              <a:xfrm>
+                <a:off x="7423754" y="2018494"/>
+                <a:ext cx="0" cy="306065"/>
+              </a:xfrm>
+              <a:prstGeom prst="straightConnector1">
+                <a:avLst/>
+              </a:prstGeom>
+              <a:ln>
+                <a:tailEnd type="triangle"/>
+              </a:ln>
+            </p:spPr>
+            <p:style>
+              <a:lnRef idx="2">
+                <a:schemeClr val="dk1"/>
+              </a:lnRef>
+              <a:fillRef idx="0">
+                <a:schemeClr val="dk1"/>
+              </a:fillRef>
+              <a:effectRef idx="1">
+                <a:schemeClr val="dk1"/>
+              </a:effectRef>
+              <a:fontRef idx="minor">
+                <a:schemeClr val="tx1"/>
+              </a:fontRef>
+            </p:style>
+          </p:cxnSp>
+        </p:grpSp>
+        <p:grpSp>
+          <p:nvGrpSpPr>
+            <p:cNvPr id="127" name="Group 126"/>
+            <p:cNvGrpSpPr/>
+            <p:nvPr/>
+          </p:nvGrpSpPr>
+          <p:grpSpPr>
+            <a:xfrm>
+              <a:off x="3535781" y="5029351"/>
+              <a:ext cx="2717026" cy="619325"/>
+              <a:chOff x="5182564" y="1408695"/>
+              <a:chExt cx="2717026" cy="619325"/>
+            </a:xfrm>
+          </p:grpSpPr>
+          <p:grpSp>
+            <p:nvGrpSpPr>
+              <p:cNvPr id="128" name="Group 127"/>
+              <p:cNvGrpSpPr/>
+              <p:nvPr/>
+            </p:nvGrpSpPr>
+            <p:grpSpPr>
+              <a:xfrm>
+                <a:off x="5182564" y="1414715"/>
+                <a:ext cx="1361604" cy="613305"/>
+                <a:chOff x="5182564" y="1414715"/>
+                <a:chExt cx="1361604" cy="613305"/>
+              </a:xfrm>
+            </p:grpSpPr>
+            <p:cxnSp>
+              <p:nvCxnSpPr>
+                <p:cNvPr id="135" name="Straight Arrow Connector 134"/>
+                <p:cNvCxnSpPr/>
+                <p:nvPr/>
+              </p:nvCxnSpPr>
+              <p:spPr>
+                <a:xfrm>
+                  <a:off x="5182564" y="1649015"/>
+                  <a:ext cx="510395" cy="0"/>
+                </a:xfrm>
+                <a:prstGeom prst="straightConnector1">
+                  <a:avLst/>
+                </a:prstGeom>
+                <a:ln>
+                  <a:tailEnd type="triangle"/>
+                </a:ln>
+              </p:spPr>
+              <p:style>
+                <a:lnRef idx="2">
+                  <a:schemeClr val="dk1"/>
+                </a:lnRef>
+                <a:fillRef idx="0">
+                  <a:schemeClr val="dk1"/>
+                </a:fillRef>
+                <a:effectRef idx="1">
+                  <a:schemeClr val="dk1"/>
+                </a:effectRef>
+                <a:fontRef idx="minor">
+                  <a:schemeClr val="tx1"/>
+                </a:fontRef>
+              </p:style>
+            </p:cxnSp>
+            <p:grpSp>
+              <p:nvGrpSpPr>
+                <p:cNvPr id="136" name="Group 135"/>
+                <p:cNvGrpSpPr/>
+                <p:nvPr/>
+              </p:nvGrpSpPr>
+              <p:grpSpPr>
+                <a:xfrm>
+                  <a:off x="5719813" y="1414715"/>
+                  <a:ext cx="824355" cy="613305"/>
+                  <a:chOff x="5897913" y="1424239"/>
+                  <a:chExt cx="824355" cy="613305"/>
+                </a:xfrm>
+              </p:grpSpPr>
+              <p:sp>
+                <p:nvSpPr>
+                  <p:cNvPr id="137" name="Pentagon 136"/>
+                  <p:cNvSpPr/>
+                  <p:nvPr/>
+                </p:nvSpPr>
+                <p:spPr>
+                  <a:xfrm rot="5400000">
+                    <a:off x="5993913" y="1328239"/>
+                    <a:ext cx="613305" cy="805305"/>
+                  </a:xfrm>
+                  <a:prstGeom prst="homePlate">
+                    <a:avLst>
+                      <a:gd name="adj" fmla="val 26277"/>
+                    </a:avLst>
+                  </a:prstGeom>
+                  <a:ln/>
+                </p:spPr>
+                <p:style>
+                  <a:lnRef idx="2">
+                    <a:schemeClr val="dk1"/>
+                  </a:lnRef>
+                  <a:fillRef idx="1">
+                    <a:schemeClr val="lt1"/>
+                  </a:fillRef>
+                  <a:effectRef idx="0">
+                    <a:schemeClr val="dk1"/>
+                  </a:effectRef>
+                  <a:fontRef idx="minor">
+                    <a:schemeClr val="dk1"/>
+                  </a:fontRef>
+                </p:style>
+                <p:txBody>
+                  <a:bodyPr rtlCol="0" anchor="ctr"/>
+                  <a:lstStyle/>
+                  <a:p>
+                    <a:pPr algn="ctr"/>
+                    <a:endParaRPr lang="en-US" sz="1400" dirty="0"/>
+                  </a:p>
+                </p:txBody>
+              </p:sp>
+              <p:sp>
+                <p:nvSpPr>
+                  <p:cNvPr id="138" name="TextBox 137"/>
+                  <p:cNvSpPr txBox="1"/>
+                  <p:nvPr/>
+                </p:nvSpPr>
+                <p:spPr>
+                  <a:xfrm>
+                    <a:off x="5988843" y="1497606"/>
+                    <a:ext cx="733425" cy="400110"/>
+                  </a:xfrm>
+                  <a:prstGeom prst="rect">
+                    <a:avLst/>
+                  </a:prstGeom>
+                  <a:noFill/>
+                </p:spPr>
+                <p:txBody>
+                  <a:bodyPr wrap="square" rtlCol="0">
+                    <a:spAutoFit/>
+                  </a:bodyPr>
+                  <a:lstStyle/>
+                  <a:p>
+                    <a:r>
+                      <a:rPr lang="en-US" sz="2000" dirty="0">
+                        <a:latin typeface="AngsanaUPC" panose="02020603050405020304" pitchFamily="18" charset="-34"/>
+                        <a:cs typeface="AngsanaUPC" panose="02020603050405020304" pitchFamily="18" charset="-34"/>
+                      </a:rPr>
+                      <a:t>LSTM</a:t>
+                    </a:r>
+                  </a:p>
+                </p:txBody>
+              </p:sp>
+            </p:grpSp>
+          </p:grpSp>
+          <p:cxnSp>
+            <p:nvCxnSpPr>
+              <p:cNvPr id="129" name="Straight Arrow Connector 128"/>
+              <p:cNvCxnSpPr/>
+              <p:nvPr/>
+            </p:nvCxnSpPr>
+            <p:spPr>
+              <a:xfrm>
+                <a:off x="6544168" y="1660920"/>
+                <a:ext cx="510394" cy="0"/>
+              </a:xfrm>
+              <a:prstGeom prst="straightConnector1">
+                <a:avLst/>
+              </a:prstGeom>
+              <a:ln>
+                <a:tailEnd type="triangle"/>
+              </a:ln>
+            </p:spPr>
+            <p:style>
+              <a:lnRef idx="2">
+                <a:schemeClr val="dk1"/>
+              </a:lnRef>
+              <a:fillRef idx="0">
+                <a:schemeClr val="dk1"/>
+              </a:fillRef>
+              <a:effectRef idx="1">
+                <a:schemeClr val="dk1"/>
+              </a:effectRef>
+              <a:fontRef idx="minor">
+                <a:schemeClr val="tx1"/>
+              </a:fontRef>
+            </p:style>
+          </p:cxnSp>
+          <p:grpSp>
+            <p:nvGrpSpPr>
+              <p:cNvPr id="130" name="Group 129"/>
+              <p:cNvGrpSpPr/>
+              <p:nvPr/>
+            </p:nvGrpSpPr>
+            <p:grpSpPr>
+              <a:xfrm>
+                <a:off x="7075235" y="1408695"/>
+                <a:ext cx="824355" cy="613305"/>
+                <a:chOff x="5897913" y="1424239"/>
+                <a:chExt cx="824355" cy="613305"/>
+              </a:xfrm>
+            </p:grpSpPr>
+            <p:sp>
+              <p:nvSpPr>
+                <p:cNvPr id="133" name="Pentagon 132"/>
+                <p:cNvSpPr/>
+                <p:nvPr/>
+              </p:nvSpPr>
+              <p:spPr>
+                <a:xfrm rot="5400000">
+                  <a:off x="5993913" y="1328239"/>
+                  <a:ext cx="613305" cy="805305"/>
+                </a:xfrm>
+                <a:prstGeom prst="homePlate">
+                  <a:avLst>
+                    <a:gd name="adj" fmla="val 26277"/>
+                  </a:avLst>
+                </a:prstGeom>
+                <a:ln/>
+              </p:spPr>
+              <p:style>
+                <a:lnRef idx="2">
+                  <a:schemeClr val="dk1"/>
+                </a:lnRef>
+                <a:fillRef idx="1">
+                  <a:schemeClr val="lt1"/>
+                </a:fillRef>
+                <a:effectRef idx="0">
+                  <a:schemeClr val="dk1"/>
+                </a:effectRef>
+                <a:fontRef idx="minor">
+                  <a:schemeClr val="dk1"/>
+                </a:fontRef>
+              </p:style>
+              <p:txBody>
+                <a:bodyPr rtlCol="0" anchor="ctr"/>
+                <a:lstStyle/>
+                <a:p>
+                  <a:pPr algn="ctr"/>
+                  <a:endParaRPr lang="en-US" sz="1400" dirty="0"/>
+                </a:p>
+              </p:txBody>
+            </p:sp>
+            <p:sp>
+              <p:nvSpPr>
+                <p:cNvPr id="134" name="TextBox 133"/>
+                <p:cNvSpPr txBox="1"/>
+                <p:nvPr/>
+              </p:nvSpPr>
+              <p:spPr>
+                <a:xfrm>
+                  <a:off x="5988843" y="1497606"/>
+                  <a:ext cx="733425" cy="400110"/>
+                </a:xfrm>
+                <a:prstGeom prst="rect">
+                  <a:avLst/>
+                </a:prstGeom>
+                <a:noFill/>
+              </p:spPr>
+              <p:txBody>
+                <a:bodyPr wrap="square" rtlCol="0">
+                  <a:spAutoFit/>
+                </a:bodyPr>
+                <a:lstStyle/>
+                <a:p>
+                  <a:r>
+                    <a:rPr lang="en-US" sz="2000" dirty="0">
+                      <a:latin typeface="AngsanaUPC" panose="02020603050405020304" pitchFamily="18" charset="-34"/>
+                      <a:cs typeface="AngsanaUPC" panose="02020603050405020304" pitchFamily="18" charset="-34"/>
+                    </a:rPr>
+                    <a:t>LSTM</a:t>
+                  </a:r>
+                </a:p>
+              </p:txBody>
+            </p:sp>
+          </p:grpSp>
+        </p:grpSp>
+        <p:grpSp>
+          <p:nvGrpSpPr>
+            <p:cNvPr id="139" name="Group 138"/>
+            <p:cNvGrpSpPr/>
+            <p:nvPr/>
+          </p:nvGrpSpPr>
+          <p:grpSpPr>
+            <a:xfrm>
+              <a:off x="3586969" y="2194564"/>
+              <a:ext cx="2673983" cy="899139"/>
+              <a:chOff x="5142264" y="1408695"/>
+              <a:chExt cx="2673983" cy="899139"/>
+            </a:xfrm>
+          </p:grpSpPr>
+          <p:grpSp>
+            <p:nvGrpSpPr>
+              <p:cNvPr id="140" name="Group 139"/>
+              <p:cNvGrpSpPr/>
+              <p:nvPr/>
+            </p:nvGrpSpPr>
+            <p:grpSpPr>
+              <a:xfrm>
+                <a:off x="5142264" y="1414715"/>
+                <a:ext cx="1318561" cy="613305"/>
+                <a:chOff x="5142264" y="1414715"/>
+                <a:chExt cx="1318561" cy="613305"/>
+              </a:xfrm>
+            </p:grpSpPr>
+            <p:cxnSp>
+              <p:nvCxnSpPr>
+                <p:cNvPr id="147" name="Straight Arrow Connector 146"/>
+                <p:cNvCxnSpPr/>
+                <p:nvPr/>
+              </p:nvCxnSpPr>
+              <p:spPr>
+                <a:xfrm>
+                  <a:off x="5142264" y="1649015"/>
+                  <a:ext cx="463995" cy="0"/>
+                </a:xfrm>
+                <a:prstGeom prst="straightConnector1">
+                  <a:avLst/>
+                </a:prstGeom>
+                <a:ln>
+                  <a:tailEnd type="triangle"/>
+                </a:ln>
+              </p:spPr>
+              <p:style>
+                <a:lnRef idx="2">
+                  <a:schemeClr val="dk1"/>
+                </a:lnRef>
+                <a:fillRef idx="0">
+                  <a:schemeClr val="dk1"/>
+                </a:fillRef>
+                <a:effectRef idx="1">
+                  <a:schemeClr val="dk1"/>
+                </a:effectRef>
+                <a:fontRef idx="minor">
+                  <a:schemeClr val="tx1"/>
+                </a:fontRef>
+              </p:style>
+            </p:cxnSp>
+            <p:grpSp>
+              <p:nvGrpSpPr>
+                <p:cNvPr id="148" name="Group 147"/>
+                <p:cNvGrpSpPr/>
+                <p:nvPr/>
+              </p:nvGrpSpPr>
+              <p:grpSpPr>
+                <a:xfrm>
+                  <a:off x="5636470" y="1414715"/>
+                  <a:ext cx="824355" cy="613305"/>
+                  <a:chOff x="5814570" y="1424239"/>
+                  <a:chExt cx="824355" cy="613305"/>
+                </a:xfrm>
+              </p:grpSpPr>
+              <p:sp>
+                <p:nvSpPr>
+                  <p:cNvPr id="149" name="Pentagon 148"/>
+                  <p:cNvSpPr/>
+                  <p:nvPr/>
+                </p:nvSpPr>
+                <p:spPr>
+                  <a:xfrm rot="5400000">
+                    <a:off x="5910570" y="1328239"/>
+                    <a:ext cx="613305" cy="805305"/>
+                  </a:xfrm>
+                  <a:prstGeom prst="homePlate">
+                    <a:avLst>
+                      <a:gd name="adj" fmla="val 26277"/>
+                    </a:avLst>
+                  </a:prstGeom>
+                  <a:ln/>
+                </p:spPr>
+                <p:style>
+                  <a:lnRef idx="2">
+                    <a:schemeClr val="dk1"/>
+                  </a:lnRef>
+                  <a:fillRef idx="1">
+                    <a:schemeClr val="lt1"/>
+                  </a:fillRef>
+                  <a:effectRef idx="0">
+                    <a:schemeClr val="dk1"/>
+                  </a:effectRef>
+                  <a:fontRef idx="minor">
+                    <a:schemeClr val="dk1"/>
+                  </a:fontRef>
+                </p:style>
+                <p:txBody>
+                  <a:bodyPr rtlCol="0" anchor="ctr"/>
+                  <a:lstStyle/>
+                  <a:p>
+                    <a:pPr algn="ctr"/>
+                    <a:endParaRPr lang="en-US" sz="1400" dirty="0"/>
+                  </a:p>
+                </p:txBody>
+              </p:sp>
+              <p:sp>
+                <p:nvSpPr>
+                  <p:cNvPr id="150" name="TextBox 149"/>
+                  <p:cNvSpPr txBox="1"/>
+                  <p:nvPr/>
+                </p:nvSpPr>
+                <p:spPr>
+                  <a:xfrm>
+                    <a:off x="5905500" y="1497606"/>
+                    <a:ext cx="733425" cy="400110"/>
+                  </a:xfrm>
+                  <a:prstGeom prst="rect">
+                    <a:avLst/>
+                  </a:prstGeom>
+                  <a:noFill/>
+                </p:spPr>
+                <p:txBody>
+                  <a:bodyPr wrap="square" rtlCol="0">
+                    <a:spAutoFit/>
+                  </a:bodyPr>
+                  <a:lstStyle/>
+                  <a:p>
+                    <a:r>
+                      <a:rPr lang="en-US" sz="2000" dirty="0">
+                        <a:latin typeface="AngsanaUPC" panose="02020603050405020304" pitchFamily="18" charset="-34"/>
+                        <a:cs typeface="AngsanaUPC" panose="02020603050405020304" pitchFamily="18" charset="-34"/>
+                      </a:rPr>
+                      <a:t>LSTM</a:t>
+                    </a:r>
+                  </a:p>
+                </p:txBody>
+              </p:sp>
+            </p:grpSp>
+          </p:grpSp>
+          <p:cxnSp>
+            <p:nvCxnSpPr>
+              <p:cNvPr id="141" name="Straight Arrow Connector 140"/>
+              <p:cNvCxnSpPr/>
+              <p:nvPr/>
+            </p:nvCxnSpPr>
+            <p:spPr>
+              <a:xfrm>
+                <a:off x="6460825" y="1660920"/>
+                <a:ext cx="510394" cy="0"/>
+              </a:xfrm>
+              <a:prstGeom prst="straightConnector1">
+                <a:avLst/>
+              </a:prstGeom>
+              <a:ln>
+                <a:tailEnd type="triangle"/>
+              </a:ln>
+            </p:spPr>
+            <p:style>
+              <a:lnRef idx="2">
+                <a:schemeClr val="dk1"/>
+              </a:lnRef>
+              <a:fillRef idx="0">
+                <a:schemeClr val="dk1"/>
+              </a:fillRef>
+              <a:effectRef idx="1">
+                <a:schemeClr val="dk1"/>
+              </a:effectRef>
+              <a:fontRef idx="minor">
+                <a:schemeClr val="tx1"/>
+              </a:fontRef>
+            </p:style>
+          </p:cxnSp>
+          <p:grpSp>
+            <p:nvGrpSpPr>
+              <p:cNvPr id="142" name="Group 141"/>
+              <p:cNvGrpSpPr/>
+              <p:nvPr/>
+            </p:nvGrpSpPr>
+            <p:grpSpPr>
+              <a:xfrm>
+                <a:off x="6991892" y="1408695"/>
+                <a:ext cx="824355" cy="613305"/>
+                <a:chOff x="5814570" y="1424239"/>
+                <a:chExt cx="824355" cy="613305"/>
+              </a:xfrm>
+            </p:grpSpPr>
+            <p:sp>
+              <p:nvSpPr>
+                <p:cNvPr id="145" name="Pentagon 144"/>
+                <p:cNvSpPr/>
+                <p:nvPr/>
+              </p:nvSpPr>
+              <p:spPr>
+                <a:xfrm rot="5400000">
+                  <a:off x="5910570" y="1328239"/>
+                  <a:ext cx="613305" cy="805305"/>
+                </a:xfrm>
+                <a:prstGeom prst="homePlate">
+                  <a:avLst>
+                    <a:gd name="adj" fmla="val 26277"/>
+                  </a:avLst>
+                </a:prstGeom>
+                <a:ln/>
+              </p:spPr>
+              <p:style>
+                <a:lnRef idx="2">
+                  <a:schemeClr val="dk1"/>
+                </a:lnRef>
+                <a:fillRef idx="1">
+                  <a:schemeClr val="lt1"/>
+                </a:fillRef>
+                <a:effectRef idx="0">
+                  <a:schemeClr val="dk1"/>
+                </a:effectRef>
+                <a:fontRef idx="minor">
+                  <a:schemeClr val="dk1"/>
+                </a:fontRef>
+              </p:style>
+              <p:txBody>
+                <a:bodyPr rtlCol="0" anchor="ctr"/>
+                <a:lstStyle/>
+                <a:p>
+                  <a:pPr algn="ctr"/>
+                  <a:endParaRPr lang="en-US" sz="1400" dirty="0"/>
+                </a:p>
+              </p:txBody>
+            </p:sp>
+            <p:sp>
+              <p:nvSpPr>
+                <p:cNvPr id="146" name="TextBox 145"/>
+                <p:cNvSpPr txBox="1"/>
+                <p:nvPr/>
+              </p:nvSpPr>
+              <p:spPr>
+                <a:xfrm>
+                  <a:off x="5905500" y="1497606"/>
+                  <a:ext cx="733425" cy="400110"/>
+                </a:xfrm>
+                <a:prstGeom prst="rect">
+                  <a:avLst/>
+                </a:prstGeom>
+                <a:noFill/>
+              </p:spPr>
+              <p:txBody>
+                <a:bodyPr wrap="square" rtlCol="0">
+                  <a:spAutoFit/>
+                </a:bodyPr>
+                <a:lstStyle/>
+                <a:p>
+                  <a:r>
+                    <a:rPr lang="en-US" sz="2000" dirty="0">
+                      <a:latin typeface="AngsanaUPC" panose="02020603050405020304" pitchFamily="18" charset="-34"/>
+                      <a:cs typeface="AngsanaUPC" panose="02020603050405020304" pitchFamily="18" charset="-34"/>
+                    </a:rPr>
+                    <a:t>LSTM</a:t>
+                  </a:r>
+                </a:p>
+              </p:txBody>
+            </p:sp>
+          </p:grpSp>
+          <p:cxnSp>
+            <p:nvCxnSpPr>
+              <p:cNvPr id="143" name="Straight Arrow Connector 142"/>
+              <p:cNvCxnSpPr>
+                <a:stCxn id="149" idx="3"/>
+              </p:cNvCxnSpPr>
+              <p:nvPr/>
+            </p:nvCxnSpPr>
+            <p:spPr>
+              <a:xfrm>
+                <a:off x="6039122" y="2028020"/>
+                <a:ext cx="0" cy="279814"/>
+              </a:xfrm>
+              <a:prstGeom prst="straightConnector1">
+                <a:avLst/>
+              </a:prstGeom>
+              <a:ln>
+                <a:tailEnd type="triangle"/>
+              </a:ln>
+            </p:spPr>
+            <p:style>
+              <a:lnRef idx="2">
+                <a:schemeClr val="dk1"/>
+              </a:lnRef>
+              <a:fillRef idx="0">
+                <a:schemeClr val="dk1"/>
+              </a:fillRef>
+              <a:effectRef idx="1">
+                <a:schemeClr val="dk1"/>
+              </a:effectRef>
+              <a:fontRef idx="minor">
+                <a:schemeClr val="tx1"/>
+              </a:fontRef>
+            </p:style>
+          </p:cxnSp>
+          <p:cxnSp>
+            <p:nvCxnSpPr>
+              <p:cNvPr id="144" name="Straight Arrow Connector 143"/>
+              <p:cNvCxnSpPr/>
+              <p:nvPr/>
+            </p:nvCxnSpPr>
+            <p:spPr>
+              <a:xfrm>
+                <a:off x="7394544" y="2034383"/>
+                <a:ext cx="0" cy="273451"/>
+              </a:xfrm>
+              <a:prstGeom prst="straightConnector1">
+                <a:avLst/>
+              </a:prstGeom>
+              <a:ln>
+                <a:tailEnd type="triangle"/>
+              </a:ln>
+            </p:spPr>
+            <p:style>
+              <a:lnRef idx="2">
+                <a:schemeClr val="dk1"/>
+              </a:lnRef>
+              <a:fillRef idx="0">
+                <a:schemeClr val="dk1"/>
+              </a:fillRef>
+              <a:effectRef idx="1">
+                <a:schemeClr val="dk1"/>
+              </a:effectRef>
+              <a:fontRef idx="minor">
+                <a:schemeClr val="tx1"/>
+              </a:fontRef>
+            </p:style>
+          </p:cxnSp>
+        </p:grpSp>
+        <p:grpSp>
+          <p:nvGrpSpPr>
+            <p:cNvPr id="151" name="Group 150"/>
+            <p:cNvGrpSpPr/>
+            <p:nvPr/>
+          </p:nvGrpSpPr>
+          <p:grpSpPr>
+            <a:xfrm>
+              <a:off x="3535194" y="3102490"/>
+              <a:ext cx="2725758" cy="895723"/>
+              <a:chOff x="5090489" y="1408695"/>
+              <a:chExt cx="2725758" cy="895723"/>
+            </a:xfrm>
+          </p:grpSpPr>
+          <p:grpSp>
+            <p:nvGrpSpPr>
+              <p:cNvPr id="152" name="Group 151"/>
+              <p:cNvGrpSpPr/>
+              <p:nvPr/>
+            </p:nvGrpSpPr>
+            <p:grpSpPr>
+              <a:xfrm>
+                <a:off x="5090489" y="1414715"/>
+                <a:ext cx="1370336" cy="613305"/>
+                <a:chOff x="5090489" y="1414715"/>
+                <a:chExt cx="1370336" cy="613305"/>
+              </a:xfrm>
+            </p:grpSpPr>
+            <p:cxnSp>
+              <p:nvCxnSpPr>
+                <p:cNvPr id="159" name="Straight Arrow Connector 158"/>
+                <p:cNvCxnSpPr/>
+                <p:nvPr/>
+              </p:nvCxnSpPr>
+              <p:spPr>
+                <a:xfrm>
+                  <a:off x="5090489" y="1649015"/>
+                  <a:ext cx="510394" cy="0"/>
+                </a:xfrm>
+                <a:prstGeom prst="straightConnector1">
+                  <a:avLst/>
+                </a:prstGeom>
+                <a:ln>
+                  <a:tailEnd type="triangle"/>
+                </a:ln>
+              </p:spPr>
+              <p:style>
+                <a:lnRef idx="2">
+                  <a:schemeClr val="dk1"/>
+                </a:lnRef>
+                <a:fillRef idx="0">
+                  <a:schemeClr val="dk1"/>
+                </a:fillRef>
+                <a:effectRef idx="1">
+                  <a:schemeClr val="dk1"/>
+                </a:effectRef>
+                <a:fontRef idx="minor">
+                  <a:schemeClr val="tx1"/>
+                </a:fontRef>
+              </p:style>
+            </p:cxnSp>
+            <p:grpSp>
+              <p:nvGrpSpPr>
+                <p:cNvPr id="160" name="Group 159"/>
+                <p:cNvGrpSpPr/>
+                <p:nvPr/>
+              </p:nvGrpSpPr>
+              <p:grpSpPr>
+                <a:xfrm>
+                  <a:off x="5636470" y="1414715"/>
+                  <a:ext cx="824355" cy="613305"/>
+                  <a:chOff x="5814570" y="1424239"/>
+                  <a:chExt cx="824355" cy="613305"/>
+                </a:xfrm>
+              </p:grpSpPr>
+              <p:sp>
+                <p:nvSpPr>
+                  <p:cNvPr id="161" name="Pentagon 160"/>
+                  <p:cNvSpPr/>
+                  <p:nvPr/>
+                </p:nvSpPr>
+                <p:spPr>
+                  <a:xfrm rot="5400000">
+                    <a:off x="5910570" y="1328239"/>
+                    <a:ext cx="613305" cy="805305"/>
+                  </a:xfrm>
+                  <a:prstGeom prst="homePlate">
+                    <a:avLst>
+                      <a:gd name="adj" fmla="val 26277"/>
+                    </a:avLst>
+                  </a:prstGeom>
+                  <a:ln/>
+                </p:spPr>
+                <p:style>
+                  <a:lnRef idx="2">
+                    <a:schemeClr val="dk1"/>
+                  </a:lnRef>
+                  <a:fillRef idx="1">
+                    <a:schemeClr val="lt1"/>
+                  </a:fillRef>
+                  <a:effectRef idx="0">
+                    <a:schemeClr val="dk1"/>
+                  </a:effectRef>
+                  <a:fontRef idx="minor">
+                    <a:schemeClr val="dk1"/>
+                  </a:fontRef>
+                </p:style>
+                <p:txBody>
+                  <a:bodyPr rtlCol="0" anchor="ctr"/>
+                  <a:lstStyle/>
+                  <a:p>
+                    <a:pPr algn="ctr"/>
+                    <a:endParaRPr lang="en-US" sz="1400" dirty="0"/>
+                  </a:p>
+                </p:txBody>
+              </p:sp>
+              <p:sp>
+                <p:nvSpPr>
+                  <p:cNvPr id="162" name="TextBox 161"/>
+                  <p:cNvSpPr txBox="1"/>
+                  <p:nvPr/>
+                </p:nvSpPr>
+                <p:spPr>
+                  <a:xfrm>
+                    <a:off x="5905500" y="1497606"/>
+                    <a:ext cx="733425" cy="400110"/>
+                  </a:xfrm>
+                  <a:prstGeom prst="rect">
+                    <a:avLst/>
+                  </a:prstGeom>
+                  <a:noFill/>
+                </p:spPr>
+                <p:txBody>
+                  <a:bodyPr wrap="square" rtlCol="0">
+                    <a:spAutoFit/>
+                  </a:bodyPr>
+                  <a:lstStyle/>
+                  <a:p>
+                    <a:r>
+                      <a:rPr lang="en-US" sz="2000" dirty="0">
+                        <a:latin typeface="AngsanaUPC" panose="02020603050405020304" pitchFamily="18" charset="-34"/>
+                        <a:cs typeface="AngsanaUPC" panose="02020603050405020304" pitchFamily="18" charset="-34"/>
+                      </a:rPr>
+                      <a:t>LSTM</a:t>
+                    </a:r>
+                  </a:p>
+                </p:txBody>
+              </p:sp>
+            </p:grpSp>
+          </p:grpSp>
+          <p:cxnSp>
+            <p:nvCxnSpPr>
+              <p:cNvPr id="153" name="Straight Arrow Connector 152"/>
+              <p:cNvCxnSpPr/>
+              <p:nvPr/>
+            </p:nvCxnSpPr>
+            <p:spPr>
+              <a:xfrm>
+                <a:off x="6460825" y="1660920"/>
+                <a:ext cx="510394" cy="0"/>
+              </a:xfrm>
+              <a:prstGeom prst="straightConnector1">
+                <a:avLst/>
+              </a:prstGeom>
+              <a:ln>
+                <a:tailEnd type="triangle"/>
+              </a:ln>
+            </p:spPr>
+            <p:style>
+              <a:lnRef idx="2">
+                <a:schemeClr val="dk1"/>
+              </a:lnRef>
+              <a:fillRef idx="0">
+                <a:schemeClr val="dk1"/>
+              </a:fillRef>
+              <a:effectRef idx="1">
+                <a:schemeClr val="dk1"/>
+              </a:effectRef>
+              <a:fontRef idx="minor">
+                <a:schemeClr val="tx1"/>
+              </a:fontRef>
+            </p:style>
+          </p:cxnSp>
+          <p:grpSp>
+            <p:nvGrpSpPr>
+              <p:cNvPr id="154" name="Group 153"/>
+              <p:cNvGrpSpPr/>
+              <p:nvPr/>
+            </p:nvGrpSpPr>
+            <p:grpSpPr>
+              <a:xfrm>
+                <a:off x="6991892" y="1408695"/>
+                <a:ext cx="824355" cy="613305"/>
+                <a:chOff x="5814570" y="1424239"/>
+                <a:chExt cx="824355" cy="613305"/>
+              </a:xfrm>
+            </p:grpSpPr>
+            <p:sp>
+              <p:nvSpPr>
+                <p:cNvPr id="157" name="Pentagon 156"/>
+                <p:cNvSpPr/>
+                <p:nvPr/>
+              </p:nvSpPr>
+              <p:spPr>
+                <a:xfrm rot="5400000">
+                  <a:off x="5910570" y="1328239"/>
+                  <a:ext cx="613305" cy="805305"/>
+                </a:xfrm>
+                <a:prstGeom prst="homePlate">
+                  <a:avLst>
+                    <a:gd name="adj" fmla="val 26277"/>
+                  </a:avLst>
+                </a:prstGeom>
+                <a:ln/>
+              </p:spPr>
+              <p:style>
+                <a:lnRef idx="2">
+                  <a:schemeClr val="dk1"/>
+                </a:lnRef>
+                <a:fillRef idx="1">
+                  <a:schemeClr val="lt1"/>
+                </a:fillRef>
+                <a:effectRef idx="0">
+                  <a:schemeClr val="dk1"/>
+                </a:effectRef>
+                <a:fontRef idx="minor">
+                  <a:schemeClr val="dk1"/>
+                </a:fontRef>
+              </p:style>
+              <p:txBody>
+                <a:bodyPr rtlCol="0" anchor="ctr"/>
+                <a:lstStyle/>
+                <a:p>
+                  <a:pPr algn="ctr"/>
+                  <a:endParaRPr lang="en-US" sz="1400" dirty="0"/>
+                </a:p>
+              </p:txBody>
+            </p:sp>
+            <p:sp>
+              <p:nvSpPr>
+                <p:cNvPr id="158" name="TextBox 157"/>
+                <p:cNvSpPr txBox="1"/>
+                <p:nvPr/>
+              </p:nvSpPr>
+              <p:spPr>
+                <a:xfrm>
+                  <a:off x="5905500" y="1497606"/>
+                  <a:ext cx="733425" cy="400110"/>
+                </a:xfrm>
+                <a:prstGeom prst="rect">
+                  <a:avLst/>
+                </a:prstGeom>
+                <a:noFill/>
+              </p:spPr>
+              <p:txBody>
+                <a:bodyPr wrap="square" rtlCol="0">
+                  <a:spAutoFit/>
+                </a:bodyPr>
+                <a:lstStyle/>
+                <a:p>
+                  <a:r>
+                    <a:rPr lang="en-US" sz="2000" dirty="0">
+                      <a:latin typeface="AngsanaUPC" panose="02020603050405020304" pitchFamily="18" charset="-34"/>
+                      <a:cs typeface="AngsanaUPC" panose="02020603050405020304" pitchFamily="18" charset="-34"/>
+                    </a:rPr>
+                    <a:t>LSTM</a:t>
+                  </a:r>
+                </a:p>
+              </p:txBody>
+            </p:sp>
+          </p:grpSp>
+          <p:cxnSp>
+            <p:nvCxnSpPr>
+              <p:cNvPr id="155" name="Straight Arrow Connector 154"/>
+              <p:cNvCxnSpPr/>
+              <p:nvPr/>
+            </p:nvCxnSpPr>
+            <p:spPr>
+              <a:xfrm>
+                <a:off x="6039122" y="2017031"/>
+                <a:ext cx="0" cy="281024"/>
+              </a:xfrm>
+              <a:prstGeom prst="straightConnector1">
+                <a:avLst/>
+              </a:prstGeom>
+              <a:ln>
+                <a:tailEnd type="triangle"/>
+              </a:ln>
+            </p:spPr>
+            <p:style>
+              <a:lnRef idx="2">
+                <a:schemeClr val="dk1"/>
+              </a:lnRef>
+              <a:fillRef idx="0">
+                <a:schemeClr val="dk1"/>
+              </a:fillRef>
+              <a:effectRef idx="1">
+                <a:schemeClr val="dk1"/>
+              </a:effectRef>
+              <a:fontRef idx="minor">
+                <a:schemeClr val="tx1"/>
+              </a:fontRef>
+            </p:style>
+          </p:cxnSp>
+          <p:cxnSp>
+            <p:nvCxnSpPr>
+              <p:cNvPr id="156" name="Straight Arrow Connector 155"/>
+              <p:cNvCxnSpPr/>
+              <p:nvPr/>
+            </p:nvCxnSpPr>
+            <p:spPr>
+              <a:xfrm>
+                <a:off x="7394544" y="2023394"/>
+                <a:ext cx="0" cy="281024"/>
+              </a:xfrm>
+              <a:prstGeom prst="straightConnector1">
+                <a:avLst/>
+              </a:prstGeom>
+              <a:ln>
+                <a:tailEnd type="triangle"/>
+              </a:ln>
+            </p:spPr>
+            <p:style>
+              <a:lnRef idx="2">
+                <a:schemeClr val="dk1"/>
+              </a:lnRef>
+              <a:fillRef idx="0">
+                <a:schemeClr val="dk1"/>
+              </a:fillRef>
+              <a:effectRef idx="1">
+                <a:schemeClr val="dk1"/>
+              </a:effectRef>
+              <a:fontRef idx="minor">
+                <a:schemeClr val="tx1"/>
+              </a:fontRef>
+            </p:style>
+          </p:cxnSp>
+        </p:grpSp>
+        <p:cxnSp>
+          <p:nvCxnSpPr>
+            <p:cNvPr id="163" name="Straight Arrow Connector 162"/>
+            <p:cNvCxnSpPr/>
+            <p:nvPr/>
+          </p:nvCxnSpPr>
+          <p:spPr>
+            <a:xfrm>
+              <a:off x="4502873" y="4752547"/>
+              <a:ext cx="0" cy="255476"/>
+            </a:xfrm>
+            <a:prstGeom prst="straightConnector1">
+              <a:avLst/>
+            </a:prstGeom>
+            <a:ln>
+              <a:tailEnd type="triangle"/>
+            </a:ln>
+          </p:spPr>
+          <p:style>
+            <a:lnRef idx="2">
+              <a:schemeClr val="dk1"/>
+            </a:lnRef>
+            <a:fillRef idx="0">
+              <a:schemeClr val="dk1"/>
+            </a:fillRef>
+            <a:effectRef idx="1">
+              <a:schemeClr val="dk1"/>
+            </a:effectRef>
+            <a:fontRef idx="minor">
+              <a:schemeClr val="tx1"/>
+            </a:fontRef>
+          </p:style>
+        </p:cxnSp>
+        <p:cxnSp>
+          <p:nvCxnSpPr>
+            <p:cNvPr id="164" name="Straight Arrow Connector 163"/>
+            <p:cNvCxnSpPr/>
+            <p:nvPr/>
+          </p:nvCxnSpPr>
+          <p:spPr>
+            <a:xfrm>
+              <a:off x="5858295" y="4758910"/>
+              <a:ext cx="0" cy="255476"/>
+            </a:xfrm>
+            <a:prstGeom prst="straightConnector1">
+              <a:avLst/>
+            </a:prstGeom>
+            <a:ln>
+              <a:tailEnd type="triangle"/>
+            </a:ln>
+          </p:spPr>
+          <p:style>
+            <a:lnRef idx="2">
+              <a:schemeClr val="dk1"/>
+            </a:lnRef>
+            <a:fillRef idx="0">
+              <a:schemeClr val="dk1"/>
+            </a:fillRef>
+            <a:effectRef idx="1">
+              <a:schemeClr val="dk1"/>
+            </a:effectRef>
+            <a:fontRef idx="minor">
+              <a:schemeClr val="tx1"/>
+            </a:fontRef>
+          </p:style>
+        </p:cxnSp>
+        <p:sp>
+          <p:nvSpPr>
+            <p:cNvPr id="170" name="Rectangle 169"/>
+            <p:cNvSpPr/>
+            <p:nvPr/>
+          </p:nvSpPr>
+          <p:spPr>
+            <a:xfrm>
+              <a:off x="2231547" y="427553"/>
+              <a:ext cx="1467146" cy="5890697"/>
+            </a:xfrm>
+            <a:prstGeom prst="rect">
+              <a:avLst/>
+            </a:prstGeom>
+            <a:noFill/>
+            <a:ln>
+              <a:prstDash val="dash"/>
+            </a:ln>
+          </p:spPr>
+          <p:style>
+            <a:lnRef idx="2">
+              <a:schemeClr val="dk1">
+                <a:shade val="50000"/>
+              </a:schemeClr>
+            </a:lnRef>
+            <a:fillRef idx="1">
+              <a:schemeClr val="dk1"/>
+            </a:fillRef>
+            <a:effectRef idx="0">
+              <a:schemeClr val="dk1"/>
+            </a:effectRef>
+            <a:fontRef idx="minor">
+              <a:schemeClr val="lt1"/>
+            </a:fontRef>
+          </p:style>
+          <p:txBody>
+            <a:bodyPr rtlCol="0" anchor="ctr"/>
+            <a:lstStyle/>
+            <a:p>
+              <a:pPr algn="ctr"/>
+              <a:endParaRPr lang="en-US" dirty="0"/>
+            </a:p>
+          </p:txBody>
+        </p:sp>
+        <p:sp>
+          <p:nvSpPr>
+            <p:cNvPr id="171" name="Rectangle 170"/>
+            <p:cNvSpPr/>
+            <p:nvPr/>
+          </p:nvSpPr>
+          <p:spPr>
+            <a:xfrm>
+              <a:off x="3818966" y="427553"/>
+              <a:ext cx="2553259" cy="5890697"/>
+            </a:xfrm>
+            <a:prstGeom prst="rect">
+              <a:avLst/>
+            </a:prstGeom>
+            <a:noFill/>
+            <a:ln>
+              <a:prstDash val="dash"/>
+            </a:ln>
+          </p:spPr>
+          <p:style>
+            <a:lnRef idx="2">
+              <a:schemeClr val="dk1">
+                <a:shade val="50000"/>
+              </a:schemeClr>
+            </a:lnRef>
+            <a:fillRef idx="1">
+              <a:schemeClr val="dk1"/>
+            </a:fillRef>
+            <a:effectRef idx="0">
+              <a:schemeClr val="dk1"/>
+            </a:effectRef>
+            <a:fontRef idx="minor">
+              <a:schemeClr val="lt1"/>
+            </a:fontRef>
+          </p:style>
+          <p:txBody>
+            <a:bodyPr rtlCol="0" anchor="ctr"/>
+            <a:lstStyle/>
+            <a:p>
+              <a:pPr algn="ctr"/>
+              <a:endParaRPr lang="en-US" dirty="0"/>
+            </a:p>
+          </p:txBody>
+        </p:sp>
+        <p:grpSp>
+          <p:nvGrpSpPr>
+            <p:cNvPr id="175" name="Group 174"/>
+            <p:cNvGrpSpPr/>
+            <p:nvPr/>
+          </p:nvGrpSpPr>
+          <p:grpSpPr>
+            <a:xfrm>
+              <a:off x="6875100" y="4066908"/>
+              <a:ext cx="965200" cy="598248"/>
+              <a:chOff x="8192716" y="5184217"/>
+              <a:chExt cx="965200" cy="598248"/>
+            </a:xfrm>
+          </p:grpSpPr>
+          <mc:AlternateContent xmlns:mc="http://schemas.openxmlformats.org/markup-compatibility/2006" xmlns:a14="http://schemas.microsoft.com/office/drawing/2010/main">
+            <mc:Choice Requires="a14">
+              <p:sp>
+                <p:nvSpPr>
+                  <p:cNvPr id="173" name="TextBox 172"/>
+                  <p:cNvSpPr txBox="1"/>
+                  <p:nvPr/>
+                </p:nvSpPr>
+                <p:spPr>
+                  <a:xfrm>
+                    <a:off x="8473656" y="5344841"/>
+                    <a:ext cx="389337" cy="276999"/>
+                  </a:xfrm>
+                  <a:prstGeom prst="rect">
+                    <a:avLst/>
+                  </a:prstGeom>
+                  <a:noFill/>
+                </p:spPr>
+                <p:txBody>
+                  <a:bodyPr wrap="none" lIns="0" tIns="0" rIns="0" bIns="0" rtlCol="0">
+                    <a:spAutoFit/>
+                  </a:bodyPr>
+                  <a:lstStyle/>
+                  <a:p>
+                    <a:pPr/>
+                    <a14:m>
+                      <m:oMathPara xmlns:m="http://schemas.openxmlformats.org/officeDocument/2006/math">
+                        <m:oMathParaPr>
+                          <m:jc m:val="centerGroup"/>
+                        </m:oMathParaPr>
+                        <m:oMath xmlns:m="http://schemas.openxmlformats.org/officeDocument/2006/math">
+                          <m:sSup>
+                            <m:sSupPr>
+                              <m:ctrlPr>
+                                <a:rPr lang="en-US" b="0" i="1" smtClean="0">
+                                  <a:latin typeface="Cambria Math" panose="02040503050406030204" pitchFamily="18" charset="0"/>
+                                </a:rPr>
+                              </m:ctrlPr>
+                            </m:sSupPr>
+                            <m:e>
+                              <m:r>
+                                <a:rPr lang="en-US" b="0" i="1" smtClean="0">
+                                  <a:latin typeface="Cambria Math" panose="02040503050406030204" pitchFamily="18" charset="0"/>
+                                </a:rPr>
+                                <m:t>𝑊</m:t>
+                              </m:r>
+                            </m:e>
+                            <m:sup>
+                              <m:r>
+                                <a:rPr lang="en-US" b="0" i="1" smtClean="0">
+                                  <a:latin typeface="Cambria Math" panose="02040503050406030204" pitchFamily="18" charset="0"/>
+                                </a:rPr>
+                                <m:t>1</m:t>
+                              </m:r>
+                            </m:sup>
+                          </m:sSup>
+                        </m:oMath>
+                      </m:oMathPara>
+                    </a14:m>
+                    <a:endParaRPr lang="en-US" dirty="0"/>
+                  </a:p>
+                </p:txBody>
+              </p:sp>
+            </mc:Choice>
+            <mc:Fallback xmlns="">
+              <p:sp>
+                <p:nvSpPr>
+                  <p:cNvPr id="173" name="TextBox 172"/>
+                  <p:cNvSpPr txBox="1">
+                    <a:spLocks noRot="1" noChangeAspect="1" noMove="1" noResize="1" noEditPoints="1" noAdjustHandles="1" noChangeArrowheads="1" noChangeShapeType="1" noTextEdit="1"/>
+                  </p:cNvSpPr>
+                  <p:nvPr/>
+                </p:nvSpPr>
+                <p:spPr>
+                  <a:xfrm>
+                    <a:off x="8473656" y="5344841"/>
+                    <a:ext cx="389337" cy="276999"/>
+                  </a:xfrm>
+                  <a:prstGeom prst="rect">
+                    <a:avLst/>
+                  </a:prstGeom>
+                  <a:blipFill>
+                    <a:blip r:embed="rId6"/>
+                    <a:stretch>
+                      <a:fillRect l="-12500" t="-4444" r="-6250" b="-6667"/>
+                    </a:stretch>
+                  </a:blipFill>
+                </p:spPr>
+                <p:txBody>
+                  <a:bodyPr/>
+                  <a:lstStyle/>
+                  <a:p>
+                    <a:r>
+                      <a:rPr lang="en-US">
+                        <a:noFill/>
+                      </a:rPr>
+                      <a:t> </a:t>
+                    </a:r>
+                  </a:p>
+                </p:txBody>
+              </p:sp>
+            </mc:Fallback>
+          </mc:AlternateContent>
+          <p:sp>
+            <p:nvSpPr>
+              <p:cNvPr id="174" name="Flowchart: Punched Tape 173"/>
+              <p:cNvSpPr/>
+              <p:nvPr/>
+            </p:nvSpPr>
+            <p:spPr>
+              <a:xfrm>
+                <a:off x="8192716" y="5184217"/>
+                <a:ext cx="965200" cy="598248"/>
+              </a:xfrm>
+              <a:prstGeom prst="flowChartPunchedTape">
+                <a:avLst/>
+              </a:prstGeom>
+              <a:noFill/>
+              <a:ln w="12700">
+                <a:solidFill>
+                  <a:schemeClr val="tx1"/>
+                </a:solidFill>
+              </a:ln>
+            </p:spPr>
+            <p:style>
+              <a:lnRef idx="2">
+                <a:schemeClr val="accent1">
+                  <a:shade val="50000"/>
+                </a:schemeClr>
+              </a:lnRef>
+              <a:fillRef idx="1">
+                <a:schemeClr val="accent1"/>
+              </a:fillRef>
+              <a:effectRef idx="0">
+                <a:schemeClr val="accent1"/>
+              </a:effectRef>
+              <a:fontRef idx="minor">
+                <a:schemeClr val="lt1"/>
+              </a:fontRef>
+            </p:style>
+            <p:txBody>
+              <a:bodyPr rtlCol="0" anchor="ctr"/>
+              <a:lstStyle/>
+              <a:p>
+                <a:pPr algn="ctr"/>
+                <a:endParaRPr lang="en-US" dirty="0"/>
+              </a:p>
+            </p:txBody>
+          </p:sp>
+        </p:grpSp>
+        <p:cxnSp>
+          <p:nvCxnSpPr>
+            <p:cNvPr id="176" name="Straight Arrow Connector 175"/>
+            <p:cNvCxnSpPr/>
+            <p:nvPr/>
+          </p:nvCxnSpPr>
+          <p:spPr>
+            <a:xfrm>
+              <a:off x="6230173" y="5273602"/>
+              <a:ext cx="617576" cy="0"/>
+            </a:xfrm>
+            <a:prstGeom prst="straightConnector1">
+              <a:avLst/>
+            </a:prstGeom>
+            <a:ln>
+              <a:tailEnd type="triangle"/>
+            </a:ln>
+          </p:spPr>
+          <p:style>
+            <a:lnRef idx="2">
+              <a:schemeClr val="dk1"/>
+            </a:lnRef>
+            <a:fillRef idx="0">
+              <a:schemeClr val="dk1"/>
+            </a:fillRef>
+            <a:effectRef idx="1">
+              <a:schemeClr val="dk1"/>
+            </a:effectRef>
+            <a:fontRef idx="minor">
+              <a:schemeClr val="tx1"/>
+            </a:fontRef>
+          </p:style>
+        </p:cxnSp>
+        <p:sp>
+          <p:nvSpPr>
+            <p:cNvPr id="185" name="TextBox 184"/>
+            <p:cNvSpPr txBox="1"/>
+            <p:nvPr/>
+          </p:nvSpPr>
+          <p:spPr>
+            <a:xfrm>
+              <a:off x="2107763" y="427170"/>
+              <a:ext cx="1682628" cy="584775"/>
+            </a:xfrm>
+            <a:prstGeom prst="rect">
+              <a:avLst/>
+            </a:prstGeom>
+            <a:noFill/>
+          </p:spPr>
+          <p:txBody>
+            <a:bodyPr wrap="square" rtlCol="0">
+              <a:spAutoFit/>
+            </a:bodyPr>
+            <a:lstStyle/>
+            <a:p>
+              <a:pPr algn="ctr"/>
+              <a:r>
+                <a:rPr lang="en-US" sz="1600" dirty="0">
+                  <a:latin typeface="Times New Roman" panose="02020603050405020304" pitchFamily="18" charset="0"/>
+                  <a:ea typeface="Tahoma" panose="020B0604030504040204" pitchFamily="34" charset="0"/>
+                  <a:cs typeface="Times New Roman" panose="02020603050405020304" pitchFamily="18" charset="0"/>
+                </a:rPr>
+                <a:t>Multiple Cause</a:t>
+              </a:r>
+            </a:p>
+            <a:p>
+              <a:pPr algn="ctr"/>
+              <a:r>
+                <a:rPr lang="en-US" sz="1600" dirty="0">
+                  <a:latin typeface="Times New Roman" panose="02020603050405020304" pitchFamily="18" charset="0"/>
+                  <a:ea typeface="Tahoma" panose="020B0604030504040204" pitchFamily="34" charset="0"/>
+                  <a:cs typeface="Times New Roman" panose="02020603050405020304" pitchFamily="18" charset="0"/>
+                </a:rPr>
+                <a:t>(morbidity codes)</a:t>
+              </a:r>
+            </a:p>
+          </p:txBody>
+        </p:sp>
+        <p:sp>
+          <p:nvSpPr>
+            <p:cNvPr id="186" name="TextBox 185"/>
+            <p:cNvSpPr txBox="1"/>
+            <p:nvPr/>
+          </p:nvSpPr>
+          <p:spPr>
+            <a:xfrm>
+              <a:off x="4156621" y="403270"/>
+              <a:ext cx="1682628" cy="584775"/>
+            </a:xfrm>
+            <a:prstGeom prst="rect">
+              <a:avLst/>
+            </a:prstGeom>
+            <a:noFill/>
+          </p:spPr>
+          <p:txBody>
+            <a:bodyPr wrap="square" rtlCol="0">
+              <a:spAutoFit/>
+            </a:bodyPr>
+            <a:lstStyle/>
+            <a:p>
+              <a:pPr algn="ctr"/>
+              <a:r>
+                <a:rPr lang="en-US" sz="1600" dirty="0">
+                  <a:latin typeface="Times New Roman" panose="02020603050405020304" pitchFamily="18" charset="0"/>
+                  <a:ea typeface="Tahoma" panose="020B0604030504040204" pitchFamily="34" charset="0"/>
+                  <a:cs typeface="Times New Roman" panose="02020603050405020304" pitchFamily="18" charset="0"/>
+                </a:rPr>
+                <a:t>Sequence Learning</a:t>
+              </a:r>
+            </a:p>
+          </p:txBody>
+        </p:sp>
+        <p:sp>
+          <p:nvSpPr>
+            <p:cNvPr id="187" name="Rectangle 186"/>
+            <p:cNvSpPr/>
+            <p:nvPr/>
+          </p:nvSpPr>
+          <p:spPr>
+            <a:xfrm>
+              <a:off x="6497022" y="427553"/>
+              <a:ext cx="1591121" cy="5890697"/>
+            </a:xfrm>
+            <a:prstGeom prst="rect">
+              <a:avLst/>
+            </a:prstGeom>
+            <a:noFill/>
+            <a:ln>
+              <a:prstDash val="dash"/>
+            </a:ln>
+          </p:spPr>
+          <p:style>
+            <a:lnRef idx="2">
+              <a:schemeClr val="dk1">
+                <a:shade val="50000"/>
+              </a:schemeClr>
+            </a:lnRef>
+            <a:fillRef idx="1">
+              <a:schemeClr val="dk1"/>
+            </a:fillRef>
+            <a:effectRef idx="0">
+              <a:schemeClr val="dk1"/>
+            </a:effectRef>
+            <a:fontRef idx="minor">
+              <a:schemeClr val="lt1"/>
+            </a:fontRef>
+          </p:style>
+          <p:txBody>
+            <a:bodyPr rtlCol="0" anchor="ctr"/>
+            <a:lstStyle/>
+            <a:p>
+              <a:pPr algn="ctr"/>
+              <a:endParaRPr lang="en-US" dirty="0"/>
+            </a:p>
+          </p:txBody>
+        </p:sp>
+        <p:sp>
+          <p:nvSpPr>
+            <p:cNvPr id="188" name="TextBox 187"/>
+            <p:cNvSpPr txBox="1"/>
+            <p:nvPr/>
+          </p:nvSpPr>
+          <p:spPr>
+            <a:xfrm>
+              <a:off x="6435725" y="427553"/>
+              <a:ext cx="1682628" cy="830997"/>
+            </a:xfrm>
+            <a:prstGeom prst="rect">
+              <a:avLst/>
+            </a:prstGeom>
+            <a:noFill/>
+          </p:spPr>
+          <p:txBody>
+            <a:bodyPr wrap="square" rtlCol="0">
+              <a:spAutoFit/>
+            </a:bodyPr>
+            <a:lstStyle/>
+            <a:p>
+              <a:pPr algn="ctr"/>
+              <a:r>
+                <a:rPr lang="en-US" sz="1600" dirty="0">
+                  <a:latin typeface="Times New Roman" panose="02020603050405020304" pitchFamily="18" charset="0"/>
+                  <a:ea typeface="Tahoma" panose="020B0604030504040204" pitchFamily="34" charset="0"/>
+                  <a:cs typeface="Times New Roman" panose="02020603050405020304" pitchFamily="18" charset="0"/>
+                </a:rPr>
+                <a:t>Fully Connected Layers with Drop-Out</a:t>
+              </a:r>
+            </a:p>
+          </p:txBody>
+        </p:sp>
+        <p:grpSp>
+          <p:nvGrpSpPr>
+            <p:cNvPr id="4" name="Group 3"/>
+            <p:cNvGrpSpPr/>
+            <p:nvPr/>
+          </p:nvGrpSpPr>
+          <p:grpSpPr>
+            <a:xfrm>
+              <a:off x="6864342" y="5153522"/>
+              <a:ext cx="965200" cy="232698"/>
+              <a:chOff x="9407517" y="5363072"/>
+              <a:chExt cx="965200" cy="232698"/>
+            </a:xfrm>
+          </p:grpSpPr>
+          <p:sp>
+            <p:nvSpPr>
+              <p:cNvPr id="2" name="Rounded Rectangle 1"/>
+              <p:cNvSpPr/>
+              <p:nvPr/>
+            </p:nvSpPr>
+            <p:spPr>
+              <a:xfrm>
+                <a:off x="9407517" y="5363072"/>
+                <a:ext cx="965200" cy="232698"/>
+              </a:xfrm>
+              <a:prstGeom prst="roundRect">
+                <a:avLst/>
+              </a:prstGeom>
+              <a:ln w="12700"/>
+            </p:spPr>
+            <p:style>
+              <a:lnRef idx="2">
+                <a:schemeClr val="dk1"/>
+              </a:lnRef>
+              <a:fillRef idx="1">
+                <a:schemeClr val="lt1"/>
+              </a:fillRef>
+              <a:effectRef idx="0">
+                <a:schemeClr val="dk1"/>
+              </a:effectRef>
+              <a:fontRef idx="minor">
+                <a:schemeClr val="dk1"/>
+              </a:fontRef>
+            </p:style>
+            <p:txBody>
+              <a:bodyPr rtlCol="0" anchor="ctr"/>
+              <a:lstStyle/>
+              <a:p>
+                <a:pPr algn="ctr"/>
+                <a:endParaRPr lang="en-US" dirty="0"/>
+              </a:p>
+            </p:txBody>
+          </p:sp>
+          <p:sp>
+            <p:nvSpPr>
+              <p:cNvPr id="3" name="Multiply 2"/>
+              <p:cNvSpPr/>
+              <p:nvPr/>
+            </p:nvSpPr>
+            <p:spPr>
+              <a:xfrm>
+                <a:off x="9457092" y="5363072"/>
+                <a:ext cx="142875" cy="213648"/>
+              </a:xfrm>
+              <a:prstGeom prst="mathMultiply">
+                <a:avLst/>
+              </a:prstGeom>
+              <a:solidFill>
+                <a:schemeClr val="tx1"/>
+              </a:solidFill>
+            </p:spPr>
+            <p:style>
+              <a:lnRef idx="2">
+                <a:schemeClr val="accent2">
+                  <a:shade val="50000"/>
+                </a:schemeClr>
+              </a:lnRef>
+              <a:fillRef idx="1">
+                <a:schemeClr val="accent2"/>
+              </a:fillRef>
+              <a:effectRef idx="0">
+                <a:schemeClr val="accent2"/>
+              </a:effectRef>
+              <a:fontRef idx="minor">
+                <a:schemeClr val="lt1"/>
+              </a:fontRef>
+            </p:style>
+            <p:txBody>
+              <a:bodyPr rtlCol="0" anchor="ctr"/>
+              <a:lstStyle/>
+              <a:p>
+                <a:pPr algn="ctr"/>
+                <a:endParaRPr lang="en-US" dirty="0">
+                  <a:solidFill>
+                    <a:schemeClr val="tx1"/>
+                  </a:solidFill>
+                </a:endParaRPr>
+              </a:p>
+            </p:txBody>
+          </p:sp>
+          <p:sp>
+            <p:nvSpPr>
+              <p:cNvPr id="110" name="Multiply 109"/>
+              <p:cNvSpPr/>
+              <p:nvPr/>
+            </p:nvSpPr>
+            <p:spPr>
+              <a:xfrm>
+                <a:off x="9947575" y="5363072"/>
+                <a:ext cx="142875" cy="213648"/>
+              </a:xfrm>
+              <a:prstGeom prst="mathMultiply">
+                <a:avLst/>
+              </a:prstGeom>
+              <a:solidFill>
+                <a:schemeClr val="tx1"/>
+              </a:solidFill>
+            </p:spPr>
+            <p:style>
+              <a:lnRef idx="2">
+                <a:schemeClr val="accent2">
+                  <a:shade val="50000"/>
+                </a:schemeClr>
+              </a:lnRef>
+              <a:fillRef idx="1">
+                <a:schemeClr val="accent2"/>
+              </a:fillRef>
+              <a:effectRef idx="0">
+                <a:schemeClr val="accent2"/>
+              </a:effectRef>
+              <a:fontRef idx="minor">
+                <a:schemeClr val="lt1"/>
+              </a:fontRef>
+            </p:style>
+            <p:txBody>
+              <a:bodyPr rtlCol="0" anchor="ctr"/>
+              <a:lstStyle/>
+              <a:p>
+                <a:pPr algn="ctr"/>
+                <a:endParaRPr lang="en-US" dirty="0">
+                  <a:solidFill>
+                    <a:schemeClr val="tx1"/>
+                  </a:solidFill>
+                </a:endParaRPr>
+              </a:p>
+            </p:txBody>
+          </p:sp>
+          <p:sp>
+            <p:nvSpPr>
+              <p:cNvPr id="112" name="Multiply 111"/>
+              <p:cNvSpPr/>
+              <p:nvPr/>
+            </p:nvSpPr>
+            <p:spPr>
+              <a:xfrm>
+                <a:off x="10096130" y="5363072"/>
+                <a:ext cx="142875" cy="213648"/>
+              </a:xfrm>
+              <a:prstGeom prst="mathMultiply">
+                <a:avLst/>
+              </a:prstGeom>
+              <a:solidFill>
+                <a:schemeClr val="tx1"/>
+              </a:solidFill>
+            </p:spPr>
+            <p:style>
+              <a:lnRef idx="2">
+                <a:schemeClr val="accent2">
+                  <a:shade val="50000"/>
+                </a:schemeClr>
+              </a:lnRef>
+              <a:fillRef idx="1">
+                <a:schemeClr val="accent2"/>
+              </a:fillRef>
+              <a:effectRef idx="0">
+                <a:schemeClr val="accent2"/>
+              </a:effectRef>
+              <a:fontRef idx="minor">
+                <a:schemeClr val="lt1"/>
+              </a:fontRef>
+            </p:style>
+            <p:txBody>
+              <a:bodyPr rtlCol="0" anchor="ctr"/>
+              <a:lstStyle/>
+              <a:p>
+                <a:pPr algn="ctr"/>
+                <a:endParaRPr lang="en-US">
+                  <a:solidFill>
+                    <a:schemeClr val="tx1"/>
+                  </a:solidFill>
+                </a:endParaRPr>
+              </a:p>
+            </p:txBody>
+          </p:sp>
+        </p:grpSp>
+        <p:cxnSp>
+          <p:nvCxnSpPr>
+            <p:cNvPr id="117" name="Straight Arrow Connector 116"/>
+            <p:cNvCxnSpPr/>
+            <p:nvPr/>
+          </p:nvCxnSpPr>
+          <p:spPr>
+            <a:xfrm flipH="1" flipV="1">
+              <a:off x="7357700" y="4657228"/>
+              <a:ext cx="1" cy="479412"/>
+            </a:xfrm>
+            <a:prstGeom prst="straightConnector1">
+              <a:avLst/>
+            </a:prstGeom>
+            <a:ln>
+              <a:tailEnd type="triangle"/>
+            </a:ln>
+          </p:spPr>
+          <p:style>
+            <a:lnRef idx="2">
+              <a:schemeClr val="dk1"/>
+            </a:lnRef>
+            <a:fillRef idx="0">
+              <a:schemeClr val="dk1"/>
+            </a:fillRef>
+            <a:effectRef idx="1">
+              <a:schemeClr val="dk1"/>
+            </a:effectRef>
+            <a:fontRef idx="minor">
+              <a:schemeClr val="tx1"/>
+            </a:fontRef>
+          </p:style>
+        </p:cxnSp>
+        <p:cxnSp>
+          <p:nvCxnSpPr>
+            <p:cNvPr id="118" name="Straight Arrow Connector 117"/>
+            <p:cNvCxnSpPr/>
+            <p:nvPr/>
+          </p:nvCxnSpPr>
+          <p:spPr>
+            <a:xfrm flipH="1" flipV="1">
+              <a:off x="7357700" y="3619675"/>
+              <a:ext cx="1" cy="479412"/>
+            </a:xfrm>
+            <a:prstGeom prst="straightConnector1">
+              <a:avLst/>
+            </a:prstGeom>
+            <a:ln>
+              <a:tailEnd type="triangle"/>
+            </a:ln>
+          </p:spPr>
+          <p:style>
+            <a:lnRef idx="2">
+              <a:schemeClr val="dk1"/>
+            </a:lnRef>
+            <a:fillRef idx="0">
+              <a:schemeClr val="dk1"/>
+            </a:fillRef>
+            <a:effectRef idx="1">
+              <a:schemeClr val="dk1"/>
+            </a:effectRef>
+            <a:fontRef idx="minor">
+              <a:schemeClr val="tx1"/>
+            </a:fontRef>
+          </p:style>
+        </p:cxnSp>
+        <p:pic>
+          <p:nvPicPr>
+            <p:cNvPr id="123" name="Picture 15"/>
+            <p:cNvPicPr>
+              <a:picLocks noChangeAspect="1"/>
+            </p:cNvPicPr>
+            <p:nvPr/>
+          </p:nvPicPr>
+          <p:blipFill>
+            <a:blip r:embed="rId7" cstate="email">
+              <a:extLst>
+                <a:ext uri="{28A0092B-C50C-407E-A947-70E740481C1C}">
+                  <a14:useLocalDpi xmlns:a14="http://schemas.microsoft.com/office/drawing/2010/main" val="0"/>
+                </a:ext>
+              </a:extLst>
+            </a:blip>
+            <a:srcRect/>
+            <a:stretch>
+              <a:fillRect/>
+            </a:stretch>
+          </p:blipFill>
+          <p:spPr bwMode="auto">
+            <a:xfrm>
+              <a:off x="2701133" y="1258550"/>
+              <a:ext cx="633724" cy="633724"/>
+            </a:xfrm>
+            <a:prstGeom prst="rect">
+              <a:avLst/>
+            </a:prstGeom>
+            <a:noFill/>
+            <a:ln>
+              <a:noFill/>
+            </a:ln>
+            <a:extLst>
+              <a:ext uri="{909E8E84-426E-40DD-AFC4-6F175D3DCCD1}">
+                <a14:hiddenFill xmlns:a14="http://schemas.microsoft.com/office/drawing/2010/main">
+                  <a:solidFill>
+                    <a:srgbClr val="FFFFFF"/>
+                  </a:solidFill>
+                </a14:hiddenFill>
+              </a:ext>
+              <a:ext uri="{91240B29-F687-4F45-9708-019B960494DF}">
+                <a14:hiddenLine xmlns:a14="http://schemas.microsoft.com/office/drawing/2010/main" w="9525">
+                  <a:solidFill>
+                    <a:srgbClr val="000000"/>
+                  </a:solidFill>
+                  <a:miter lim="800000"/>
+                  <a:headEnd/>
+                  <a:tailEnd/>
+                </a14:hiddenLine>
+              </a:ext>
+            </a:extLst>
+          </p:spPr>
+        </p:pic>
+        <p:pic>
+          <p:nvPicPr>
+            <p:cNvPr id="132" name="Picture 15"/>
+            <p:cNvPicPr>
+              <a:picLocks noChangeAspect="1"/>
+            </p:cNvPicPr>
+            <p:nvPr/>
+          </p:nvPicPr>
+          <p:blipFill>
+            <a:blip r:embed="rId7" cstate="email">
+              <a:extLst>
+                <a:ext uri="{28A0092B-C50C-407E-A947-70E740481C1C}">
+                  <a14:useLocalDpi xmlns:a14="http://schemas.microsoft.com/office/drawing/2010/main" val="0"/>
+                </a:ext>
+              </a:extLst>
+            </a:blip>
+            <a:srcRect/>
+            <a:stretch>
+              <a:fillRect/>
+            </a:stretch>
+          </p:blipFill>
+          <p:spPr bwMode="auto">
+            <a:xfrm>
+              <a:off x="2701133" y="2118022"/>
+              <a:ext cx="633724" cy="633724"/>
+            </a:xfrm>
+            <a:prstGeom prst="rect">
+              <a:avLst/>
+            </a:prstGeom>
+            <a:noFill/>
+            <a:ln>
+              <a:noFill/>
+            </a:ln>
+            <a:extLst>
+              <a:ext uri="{909E8E84-426E-40DD-AFC4-6F175D3DCCD1}">
+                <a14:hiddenFill xmlns:a14="http://schemas.microsoft.com/office/drawing/2010/main">
+                  <a:solidFill>
+                    <a:srgbClr val="FFFFFF"/>
+                  </a:solidFill>
+                </a14:hiddenFill>
+              </a:ext>
+              <a:ext uri="{91240B29-F687-4F45-9708-019B960494DF}">
+                <a14:hiddenLine xmlns:a14="http://schemas.microsoft.com/office/drawing/2010/main" w="9525">
+                  <a:solidFill>
+                    <a:srgbClr val="000000"/>
+                  </a:solidFill>
+                  <a:miter lim="800000"/>
+                  <a:headEnd/>
+                  <a:tailEnd/>
+                </a14:hiddenLine>
+              </a:ext>
+            </a:extLst>
+          </p:spPr>
+        </p:pic>
+        <p:pic>
+          <p:nvPicPr>
+            <p:cNvPr id="166" name="Picture 15"/>
+            <p:cNvPicPr>
+              <a:picLocks noChangeAspect="1"/>
+            </p:cNvPicPr>
+            <p:nvPr/>
+          </p:nvPicPr>
+          <p:blipFill>
+            <a:blip r:embed="rId7" cstate="email">
+              <a:extLst>
+                <a:ext uri="{28A0092B-C50C-407E-A947-70E740481C1C}">
+                  <a14:useLocalDpi xmlns:a14="http://schemas.microsoft.com/office/drawing/2010/main" val="0"/>
+                </a:ext>
+              </a:extLst>
+            </a:blip>
+            <a:srcRect/>
+            <a:stretch>
+              <a:fillRect/>
+            </a:stretch>
+          </p:blipFill>
+          <p:spPr bwMode="auto">
+            <a:xfrm>
+              <a:off x="2701133" y="4952808"/>
+              <a:ext cx="633724" cy="633724"/>
+            </a:xfrm>
+            <a:prstGeom prst="rect">
+              <a:avLst/>
+            </a:prstGeom>
+            <a:noFill/>
+            <a:ln>
+              <a:noFill/>
+            </a:ln>
+            <a:extLst>
+              <a:ext uri="{909E8E84-426E-40DD-AFC4-6F175D3DCCD1}">
+                <a14:hiddenFill xmlns:a14="http://schemas.microsoft.com/office/drawing/2010/main">
+                  <a:solidFill>
+                    <a:srgbClr val="FFFFFF"/>
+                  </a:solidFill>
+                </a14:hiddenFill>
+              </a:ext>
+              <a:ext uri="{91240B29-F687-4F45-9708-019B960494DF}">
+                <a14:hiddenLine xmlns:a14="http://schemas.microsoft.com/office/drawing/2010/main" w="9525">
+                  <a:solidFill>
+                    <a:srgbClr val="000000"/>
+                  </a:solidFill>
+                  <a:miter lim="800000"/>
+                  <a:headEnd/>
+                  <a:tailEnd/>
+                </a14:hiddenLine>
+              </a:ext>
+            </a:extLst>
+          </p:spPr>
+        </p:pic>
+        <p:sp>
+          <p:nvSpPr>
+            <p:cNvPr id="6" name="Rectangle 5"/>
+            <p:cNvSpPr/>
+            <p:nvPr/>
+          </p:nvSpPr>
+          <p:spPr>
+            <a:xfrm>
+              <a:off x="2528086" y="1024958"/>
+              <a:ext cx="923651" cy="261610"/>
+            </a:xfrm>
+            <a:prstGeom prst="rect">
+              <a:avLst/>
+            </a:prstGeom>
+          </p:spPr>
+          <p:txBody>
+            <a:bodyPr wrap="none">
+              <a:spAutoFit/>
+            </a:bodyPr>
+            <a:lstStyle/>
+            <a:p>
+              <a:pPr algn="ctr"/>
+              <a:r>
+                <a:rPr lang="en-US" sz="1100" dirty="0">
+                  <a:latin typeface="Times New Roman" panose="02020603050405020304" pitchFamily="18" charset="0"/>
+                  <a:ea typeface="Tahoma" panose="020B0604030504040204" pitchFamily="34" charset="0"/>
+                  <a:cs typeface="Times New Roman" panose="02020603050405020304" pitchFamily="18" charset="0"/>
+                </a:rPr>
+                <a:t>Condition #1</a:t>
+              </a:r>
+            </a:p>
+          </p:txBody>
+        </p:sp>
+        <p:sp>
+          <p:nvSpPr>
+            <p:cNvPr id="167" name="Rectangle 166"/>
+            <p:cNvSpPr/>
+            <p:nvPr/>
+          </p:nvSpPr>
+          <p:spPr>
+            <a:xfrm>
+              <a:off x="2545831" y="1904866"/>
+              <a:ext cx="923651" cy="261610"/>
+            </a:xfrm>
+            <a:prstGeom prst="rect">
+              <a:avLst/>
+            </a:prstGeom>
+          </p:spPr>
+          <p:txBody>
+            <a:bodyPr wrap="none">
+              <a:spAutoFit/>
+            </a:bodyPr>
+            <a:lstStyle/>
+            <a:p>
+              <a:pPr algn="ctr"/>
+              <a:r>
+                <a:rPr lang="en-US" sz="1100" dirty="0">
+                  <a:latin typeface="Times New Roman" panose="02020603050405020304" pitchFamily="18" charset="0"/>
+                  <a:ea typeface="Tahoma" panose="020B0604030504040204" pitchFamily="34" charset="0"/>
+                  <a:cs typeface="Times New Roman" panose="02020603050405020304" pitchFamily="18" charset="0"/>
+                </a:rPr>
+                <a:t>Condition #2</a:t>
+              </a:r>
+            </a:p>
+          </p:txBody>
+        </p:sp>
+        <p:sp>
+          <p:nvSpPr>
+            <p:cNvPr id="168" name="Rectangle 167"/>
+            <p:cNvSpPr/>
+            <p:nvPr/>
+          </p:nvSpPr>
+          <p:spPr>
+            <a:xfrm rot="16200000">
+              <a:off x="2790152" y="3201505"/>
+              <a:ext cx="389851" cy="338554"/>
+            </a:xfrm>
+            <a:prstGeom prst="rect">
+              <a:avLst/>
+            </a:prstGeom>
+          </p:spPr>
+          <p:txBody>
+            <a:bodyPr wrap="none">
+              <a:spAutoFit/>
+            </a:bodyPr>
+            <a:lstStyle/>
+            <a:p>
+              <a:pPr algn="ctr"/>
+              <a:r>
+                <a:rPr lang="en-US" sz="1600" b="1" dirty="0">
+                  <a:latin typeface="Times New Roman" panose="02020603050405020304" pitchFamily="18" charset="0"/>
+                  <a:ea typeface="Tahoma" panose="020B0604030504040204" pitchFamily="34" charset="0"/>
+                  <a:cs typeface="Times New Roman" panose="02020603050405020304" pitchFamily="18" charset="0"/>
+                </a:rPr>
+                <a:t>…</a:t>
+              </a:r>
+            </a:p>
+          </p:txBody>
+        </p:sp>
+        <p:sp>
+          <p:nvSpPr>
+            <p:cNvPr id="172" name="Rectangle 171"/>
+            <p:cNvSpPr/>
+            <p:nvPr/>
+          </p:nvSpPr>
+          <p:spPr>
+            <a:xfrm>
+              <a:off x="2538486" y="4741116"/>
+              <a:ext cx="955711" cy="261610"/>
+            </a:xfrm>
+            <a:prstGeom prst="rect">
+              <a:avLst/>
+            </a:prstGeom>
+          </p:spPr>
+          <p:txBody>
+            <a:bodyPr wrap="none">
+              <a:spAutoFit/>
+            </a:bodyPr>
+            <a:lstStyle/>
+            <a:p>
+              <a:pPr algn="ctr"/>
+              <a:r>
+                <a:rPr lang="en-US" sz="1100" dirty="0">
+                  <a:latin typeface="Times New Roman" panose="02020603050405020304" pitchFamily="18" charset="0"/>
+                  <a:ea typeface="Tahoma" panose="020B0604030504040204" pitchFamily="34" charset="0"/>
+                  <a:cs typeface="Times New Roman" panose="02020603050405020304" pitchFamily="18" charset="0"/>
+                </a:rPr>
+                <a:t>Condition #N</a:t>
+              </a:r>
+            </a:p>
+          </p:txBody>
+        </p:sp>
+        <p:pic>
+          <p:nvPicPr>
+            <p:cNvPr id="1026" name="Picture 2" descr="Image result for softmax"/>
+            <p:cNvPicPr>
+              <a:picLocks noChangeAspect="1" noChangeArrowheads="1"/>
+            </p:cNvPicPr>
+            <p:nvPr/>
+          </p:nvPicPr>
+          <p:blipFill>
+            <a:blip r:embed="rId8">
+              <a:extLst>
+                <a:ext uri="{28A0092B-C50C-407E-A947-70E740481C1C}">
+                  <a14:useLocalDpi xmlns:a14="http://schemas.microsoft.com/office/drawing/2010/main" val="0"/>
+                </a:ext>
+              </a:extLst>
+            </a:blip>
+            <a:srcRect/>
+            <a:stretch>
+              <a:fillRect/>
+            </a:stretch>
+          </p:blipFill>
+          <p:spPr bwMode="auto">
+            <a:xfrm>
+              <a:off x="6814176" y="3031080"/>
+              <a:ext cx="1087048" cy="577429"/>
+            </a:xfrm>
+            <a:prstGeom prst="rect">
+              <a:avLst/>
+            </a:prstGeom>
+            <a:noFill/>
+            <a:extLst>
+              <a:ext uri="{909E8E84-426E-40DD-AFC4-6F175D3DCCD1}">
+                <a14:hiddenFill xmlns:a14="http://schemas.microsoft.com/office/drawing/2010/main">
+                  <a:solidFill>
+                    <a:srgbClr val="FFFFFF"/>
+                  </a:solidFill>
+                </a14:hiddenFill>
+              </a:ext>
+            </a:extLst>
+          </p:spPr>
+        </p:pic>
+        <p:cxnSp>
+          <p:nvCxnSpPr>
+            <p:cNvPr id="177" name="Straight Arrow Connector 176"/>
+            <p:cNvCxnSpPr/>
+            <p:nvPr/>
+          </p:nvCxnSpPr>
+          <p:spPr>
+            <a:xfrm flipV="1">
+              <a:off x="7916046" y="3310901"/>
+              <a:ext cx="519628" cy="6363"/>
+            </a:xfrm>
+            <a:prstGeom prst="straightConnector1">
+              <a:avLst/>
+            </a:prstGeom>
+            <a:ln>
+              <a:tailEnd type="triangle"/>
+            </a:ln>
+          </p:spPr>
+          <p:style>
+            <a:lnRef idx="2">
+              <a:schemeClr val="dk1"/>
+            </a:lnRef>
+            <a:fillRef idx="0">
+              <a:schemeClr val="dk1"/>
+            </a:fillRef>
+            <a:effectRef idx="1">
+              <a:schemeClr val="dk1"/>
+            </a:effectRef>
+            <a:fontRef idx="minor">
+              <a:schemeClr val="tx1"/>
+            </a:fontRef>
+          </p:style>
+        </p:cxnSp>
+        <p:sp>
+          <p:nvSpPr>
+            <p:cNvPr id="178" name="TextBox 177"/>
+            <p:cNvSpPr txBox="1"/>
+            <p:nvPr/>
+          </p:nvSpPr>
+          <p:spPr>
+            <a:xfrm>
+              <a:off x="8450496" y="3003553"/>
+              <a:ext cx="1682628" cy="738664"/>
+            </a:xfrm>
+            <a:prstGeom prst="rect">
+              <a:avLst/>
+            </a:prstGeom>
+            <a:noFill/>
+          </p:spPr>
+          <p:txBody>
+            <a:bodyPr wrap="square" rtlCol="0">
+              <a:spAutoFit/>
+            </a:bodyPr>
+            <a:lstStyle/>
+            <a:p>
+              <a:pPr algn="ctr"/>
+              <a:r>
+                <a:rPr lang="en-US" sz="1400" dirty="0">
+                  <a:latin typeface="Times New Roman" panose="02020603050405020304" pitchFamily="18" charset="0"/>
+                  <a:ea typeface="Tahoma" panose="020B0604030504040204" pitchFamily="34" charset="0"/>
+                  <a:cs typeface="Times New Roman" panose="02020603050405020304" pitchFamily="18" charset="0"/>
+                </a:rPr>
+                <a:t>The underlying cause of death (113 recode)</a:t>
+              </a:r>
+            </a:p>
+          </p:txBody>
+        </p:sp>
+      </p:grpSp>
+    </p:spTree>
+    <p:extLst>
+      <p:ext uri="{BB962C8B-B14F-4D97-AF65-F5344CB8AC3E}">
+        <p14:creationId xmlns:p14="http://schemas.microsoft.com/office/powerpoint/2010/main" val="4070921670"/>
+      </p:ext>
+    </p:extLst>
+  </p:cSld>
+  <p:clrMapOvr>
+    <a:masterClrMapping/>
+  </p:clrMapOvr>
+</p:sld>
+</file>
+
+<file path=ppt/slides/slide2.xml><?xml version="1.0" encoding="utf-8"?>
+<p:sld xmlns:a="http://schemas.openxmlformats.org/drawingml/2006/main" xmlns:r="http://schemas.openxmlformats.org/officeDocument/2006/relationships" xmlns:p="http://schemas.openxmlformats.org/presentationml/2006/main">
+  <p:cSld>
+    <p:spTree>
+      <p:nvGrpSpPr>
+        <p:cNvPr id="1" name=""/>
+        <p:cNvGrpSpPr/>
+        <p:nvPr/>
+      </p:nvGrpSpPr>
+      <p:grpSpPr>
+        <a:xfrm>
+          <a:off x="0" y="0"/>
+          <a:ext cx="0" cy="0"/>
+          <a:chOff x="0" y="0"/>
+          <a:chExt cx="0" cy="0"/>
+        </a:xfrm>
+      </p:grpSpPr>
+      <p:grpSp>
+        <p:nvGrpSpPr>
           <p:cNvPr id="11" name="Group 10"/>
           <p:cNvGrpSpPr/>
           <p:nvPr/>
         </p:nvGrpSpPr>
         <p:grpSpPr>
           <a:xfrm>
-            <a:off x="2107763" y="403270"/>
+            <a:off x="2236855" y="381754"/>
             <a:ext cx="8025361" cy="5914980"/>
             <a:chOff x="2688788" y="450895"/>
             <a:chExt cx="8025361" cy="5914980"/>
@@ -4733,7 +7238,7 @@
           <p:spPr>
             <a:xfrm>
               <a:off x="7016750" y="475178"/>
-              <a:ext cx="1682628" cy="830997"/>
+              <a:ext cx="1682628" cy="584775"/>
             </a:xfrm>
             <a:prstGeom prst="rect">
               <a:avLst/>
@@ -4753,239 +7258,24 @@
                   <a:ea typeface="Tahoma" panose="020B0604030504040204" pitchFamily="34" charset="0"/>
                   <a:cs typeface="Times New Roman" panose="02020603050405020304" pitchFamily="18" charset="0"/>
                 </a:rPr>
-                <a:t>Fully Connected Layers with Drop-Out</a:t>
+                <a:t>Fully </a:t>
               </a:r>
+              <a:r>
+                <a:rPr lang="en-US" sz="1600">
+                  <a:latin typeface="Times New Roman" panose="02020603050405020304" pitchFamily="18" charset="0"/>
+                  <a:ea typeface="Tahoma" panose="020B0604030504040204" pitchFamily="34" charset="0"/>
+                  <a:cs typeface="Times New Roman" panose="02020603050405020304" pitchFamily="18" charset="0"/>
+                </a:rPr>
+                <a:t>Connected Layer</a:t>
+              </a:r>
+              <a:endParaRPr lang="en-US" sz="1600" dirty="0">
+                <a:latin typeface="Times New Roman" panose="02020603050405020304" pitchFamily="18" charset="0"/>
+                <a:ea typeface="Tahoma" panose="020B0604030504040204" pitchFamily="34" charset="0"/>
+                <a:cs typeface="Times New Roman" panose="02020603050405020304" pitchFamily="18" charset="0"/>
+              </a:endParaRPr>
             </a:p>
           </p:txBody>
         </p:sp>
-        <p:grpSp>
-          <p:nvGrpSpPr>
-            <p:cNvPr id="4" name="Group 3"/>
-            <p:cNvGrpSpPr/>
-            <p:nvPr/>
-          </p:nvGrpSpPr>
-          <p:grpSpPr>
-            <a:xfrm>
-              <a:off x="7456125" y="4329777"/>
-              <a:ext cx="965200" cy="232698"/>
-              <a:chOff x="9418275" y="4491702"/>
-              <a:chExt cx="965200" cy="232698"/>
-            </a:xfrm>
-          </p:grpSpPr>
-          <p:sp>
-            <p:nvSpPr>
-              <p:cNvPr id="2" name="Rounded Rectangle 1"/>
-              <p:cNvSpPr/>
-              <p:nvPr/>
-            </p:nvSpPr>
-            <p:spPr>
-              <a:xfrm>
-                <a:off x="9418275" y="4491702"/>
-                <a:ext cx="965200" cy="232698"/>
-              </a:xfrm>
-              <a:prstGeom prst="roundRect">
-                <a:avLst/>
-              </a:prstGeom>
-              <a:ln w="12700"/>
-            </p:spPr>
-            <p:style>
-              <a:lnRef idx="2">
-                <a:schemeClr val="dk1"/>
-              </a:lnRef>
-              <a:fillRef idx="1">
-                <a:schemeClr val="lt1"/>
-              </a:fillRef>
-              <a:effectRef idx="0">
-                <a:schemeClr val="dk1"/>
-              </a:effectRef>
-              <a:fontRef idx="minor">
-                <a:schemeClr val="dk1"/>
-              </a:fontRef>
-            </p:style>
-            <p:txBody>
-              <a:bodyPr rtlCol="0" anchor="ctr"/>
-              <a:lstStyle/>
-              <a:p>
-                <a:pPr algn="ctr"/>
-                <a:endParaRPr lang="en-US" dirty="0"/>
-              </a:p>
-            </p:txBody>
-          </p:sp>
-          <p:sp>
-            <p:nvSpPr>
-              <p:cNvPr id="3" name="Multiply 2"/>
-              <p:cNvSpPr/>
-              <p:nvPr/>
-            </p:nvSpPr>
-            <p:spPr>
-              <a:xfrm>
-                <a:off x="9467850" y="4491702"/>
-                <a:ext cx="142875" cy="213648"/>
-              </a:xfrm>
-              <a:prstGeom prst="mathMultiply">
-                <a:avLst/>
-              </a:prstGeom>
-              <a:solidFill>
-                <a:schemeClr val="tx1"/>
-              </a:solidFill>
-            </p:spPr>
-            <p:style>
-              <a:lnRef idx="2">
-                <a:schemeClr val="accent2">
-                  <a:shade val="50000"/>
-                </a:schemeClr>
-              </a:lnRef>
-              <a:fillRef idx="1">
-                <a:schemeClr val="accent2"/>
-              </a:fillRef>
-              <a:effectRef idx="0">
-                <a:schemeClr val="accent2"/>
-              </a:effectRef>
-              <a:fontRef idx="minor">
-                <a:schemeClr val="lt1"/>
-              </a:fontRef>
-            </p:style>
-            <p:txBody>
-              <a:bodyPr rtlCol="0" anchor="ctr"/>
-              <a:lstStyle/>
-              <a:p>
-                <a:pPr algn="ctr"/>
-                <a:endParaRPr lang="en-US" dirty="0">
-                  <a:solidFill>
-                    <a:schemeClr val="tx1"/>
-                  </a:solidFill>
-                </a:endParaRPr>
-              </a:p>
-            </p:txBody>
-          </p:sp>
-          <p:sp>
-            <p:nvSpPr>
-              <p:cNvPr id="110" name="Multiply 109"/>
-              <p:cNvSpPr/>
-              <p:nvPr/>
-            </p:nvSpPr>
-            <p:spPr>
-              <a:xfrm>
-                <a:off x="9958333" y="4491702"/>
-                <a:ext cx="142875" cy="213648"/>
-              </a:xfrm>
-              <a:prstGeom prst="mathMultiply">
-                <a:avLst/>
-              </a:prstGeom>
-              <a:solidFill>
-                <a:schemeClr val="tx1"/>
-              </a:solidFill>
-            </p:spPr>
-            <p:style>
-              <a:lnRef idx="2">
-                <a:schemeClr val="accent2">
-                  <a:shade val="50000"/>
-                </a:schemeClr>
-              </a:lnRef>
-              <a:fillRef idx="1">
-                <a:schemeClr val="accent2"/>
-              </a:fillRef>
-              <a:effectRef idx="0">
-                <a:schemeClr val="accent2"/>
-              </a:effectRef>
-              <a:fontRef idx="minor">
-                <a:schemeClr val="lt1"/>
-              </a:fontRef>
-            </p:style>
-            <p:txBody>
-              <a:bodyPr rtlCol="0" anchor="ctr"/>
-              <a:lstStyle/>
-              <a:p>
-                <a:pPr algn="ctr"/>
-                <a:endParaRPr lang="en-US" dirty="0">
-                  <a:solidFill>
-                    <a:schemeClr val="tx1"/>
-                  </a:solidFill>
-                </a:endParaRPr>
-              </a:p>
-            </p:txBody>
-          </p:sp>
-          <p:sp>
-            <p:nvSpPr>
-              <p:cNvPr id="112" name="Multiply 111"/>
-              <p:cNvSpPr/>
-              <p:nvPr/>
-            </p:nvSpPr>
-            <p:spPr>
-              <a:xfrm>
-                <a:off x="10106888" y="4491702"/>
-                <a:ext cx="142875" cy="213648"/>
-              </a:xfrm>
-              <a:prstGeom prst="mathMultiply">
-                <a:avLst/>
-              </a:prstGeom>
-              <a:solidFill>
-                <a:schemeClr val="tx1"/>
-              </a:solidFill>
-            </p:spPr>
-            <p:style>
-              <a:lnRef idx="2">
-                <a:schemeClr val="accent2">
-                  <a:shade val="50000"/>
-                </a:schemeClr>
-              </a:lnRef>
-              <a:fillRef idx="1">
-                <a:schemeClr val="accent2"/>
-              </a:fillRef>
-              <a:effectRef idx="0">
-                <a:schemeClr val="accent2"/>
-              </a:effectRef>
-              <a:fontRef idx="minor">
-                <a:schemeClr val="lt1"/>
-              </a:fontRef>
-            </p:style>
-            <p:txBody>
-              <a:bodyPr rtlCol="0" anchor="ctr"/>
-              <a:lstStyle/>
-              <a:p>
-                <a:pPr algn="ctr"/>
-                <a:endParaRPr lang="en-US">
-                  <a:solidFill>
-                    <a:schemeClr val="tx1"/>
-                  </a:solidFill>
-                </a:endParaRPr>
-              </a:p>
-            </p:txBody>
-          </p:sp>
-        </p:grpSp>
-        <p:cxnSp>
-          <p:nvCxnSpPr>
-            <p:cNvPr id="117" name="Straight Arrow Connector 116"/>
-            <p:cNvCxnSpPr/>
-            <p:nvPr/>
-          </p:nvCxnSpPr>
-          <p:spPr>
-            <a:xfrm flipH="1" flipV="1">
-              <a:off x="7938725" y="3843864"/>
-              <a:ext cx="1" cy="479412"/>
-            </a:xfrm>
-            <a:prstGeom prst="straightConnector1">
-              <a:avLst/>
-            </a:prstGeom>
-            <a:ln>
-              <a:tailEnd type="triangle"/>
-            </a:ln>
-          </p:spPr>
-          <p:style>
-            <a:lnRef idx="2">
-              <a:schemeClr val="dk1"/>
-            </a:lnRef>
-            <a:fillRef idx="0">
-              <a:schemeClr val="dk1"/>
-            </a:fillRef>
-            <a:effectRef idx="1">
-              <a:schemeClr val="dk1"/>
-            </a:effectRef>
-            <a:fontRef idx="minor">
-              <a:schemeClr val="tx1"/>
-            </a:fontRef>
-          </p:style>
-        </p:cxnSp>
         <p:cxnSp>
           <p:nvCxnSpPr>
             <p:cNvPr id="118" name="Straight Arrow Connector 117"/>
@@ -5336,7 +7626,7 @@
           </p:blipFill>
           <p:spPr bwMode="auto">
             <a:xfrm>
-              <a:off x="7395201" y="3261581"/>
+              <a:off x="7405959" y="3982348"/>
               <a:ext cx="1087048" cy="577429"/>
             </a:xfrm>
             <a:prstGeom prst="rect">
@@ -5362,7 +7652,7 @@
           </p:nvCxnSpPr>
           <p:spPr>
             <a:xfrm flipV="1">
-              <a:off x="8497071" y="3541402"/>
+              <a:off x="8497071" y="4251407"/>
               <a:ext cx="519628" cy="6363"/>
             </a:xfrm>
             <a:prstGeom prst="straightConnector1">
@@ -5395,7 +7685,7 @@
           </p:nvSpPr>
           <p:spPr>
             <a:xfrm>
-              <a:off x="9031521" y="3234054"/>
+              <a:off x="9031521" y="3944059"/>
               <a:ext cx="1682628" cy="738664"/>
             </a:xfrm>
             <a:prstGeom prst="rect">
@@ -5425,7 +7715,7 @@
     </p:spTree>
     <p:extLst>
       <p:ext uri="{BB962C8B-B14F-4D97-AF65-F5344CB8AC3E}">
-        <p14:creationId xmlns:p14="http://schemas.microsoft.com/office/powerpoint/2010/main" val="4070921670"/>
+        <p14:creationId xmlns:p14="http://schemas.microsoft.com/office/powerpoint/2010/main" val="4096601732"/>
       </p:ext>
     </p:extLst>
   </p:cSld>
